--- a/Slides/7 Callbacks and Customization/Callbacks and Customization.pptx
+++ b/Slides/7 Callbacks and Customization/Callbacks and Customization.pptx
@@ -2,7 +2,7 @@
 <file path=ppt/presentation.xml><?xml version="1.0" encoding="utf-8"?>
 <p:presentation xmlns:a="http://schemas.openxmlformats.org/drawingml/2006/main" xmlns:r="http://schemas.openxmlformats.org/officeDocument/2006/relationships" xmlns:p="http://schemas.openxmlformats.org/presentationml/2006/main" saveSubsetFonts="1">
   <p:sldMasterIdLst>
-    <p:sldMasterId id="2147483648" r:id="rId1"/>
+    <p:sldMasterId id="2147483660" r:id="rId1"/>
   </p:sldMasterIdLst>
   <p:sldIdLst>
     <p:sldId id="256" r:id="rId2"/>
@@ -28,7 +28,7 @@
     <p:sldId id="277" r:id="rId22"/>
     <p:sldId id="274" r:id="rId23"/>
   </p:sldIdLst>
-  <p:sldSz cx="9144000" cy="6858000" type="screen4x3"/>
+  <p:sldSz cx="9144000" cy="5143500" type="screen16x9"/>
   <p:notesSz cx="6858000" cy="9144000"/>
   <p:defaultTextStyle>
     <a:defPPr>
@@ -131,6 +131,11 @@
 <file path=ppt/slideLayouts/slideLayout1.xml><?xml version="1.0" encoding="utf-8"?>
 <p:sldLayout xmlns:a="http://schemas.openxmlformats.org/drawingml/2006/main" xmlns:r="http://schemas.openxmlformats.org/officeDocument/2006/relationships" xmlns:p="http://schemas.openxmlformats.org/presentationml/2006/main" type="title" preserve="1">
   <p:cSld name="标题幻灯片">
+    <p:bg>
+      <p:bgRef idx="1003">
+        <a:schemeClr val="bg2"/>
+      </p:bgRef>
+    </p:bg>
     <p:spTree>
       <p:nvGrpSpPr>
         <p:cNvPr id="1" name=""/>
@@ -145,31 +150,69 @@
           <a:chExt cx="0" cy="0"/>
         </a:xfrm>
       </p:grpSpPr>
-      <p:sp>
-        <p:nvSpPr>
-          <p:cNvPr id="2" name="标题 1"/>
-          <p:cNvSpPr>
-            <a:spLocks noGrp="1"/>
-          </p:cNvSpPr>
-          <p:nvPr>
-            <p:ph type="ctrTitle"/>
-          </p:nvPr>
-        </p:nvSpPr>
+      <p:pic>
+        <p:nvPicPr>
+          <p:cNvPr id="9" name="图片 8"/>
+          <p:cNvPicPr>
+            <a:picLocks noChangeAspect="1"/>
+          </p:cNvPicPr>
+          <p:nvPr/>
+        </p:nvPicPr>
+        <p:blipFill>
+          <a:blip r:embed="rId2">
+            <a:duotone>
+              <a:schemeClr val="bg2"/>
+              <a:srgbClr val="FFF1C1"/>
+            </a:duotone>
+            <a:lum bright="-10000" contrast="-40000"/>
+          </a:blip>
+          <a:stretch>
+            <a:fillRect/>
+          </a:stretch>
+        </p:blipFill>
         <p:spPr>
           <a:xfrm>
-            <a:off x="685800" y="2130425"/>
-            <a:ext cx="7772400" cy="1470025"/>
+            <a:off x="2" y="3911212"/>
+            <a:ext cx="1472173" cy="1232288"/>
+          </a:xfrm>
+          <a:prstGeom prst="rect">
+            <a:avLst/>
+          </a:prstGeom>
+          <a:noFill/>
+          <a:ln>
+            <a:noFill/>
+          </a:ln>
+        </p:spPr>
+      </p:pic>
+      <p:sp>
+        <p:nvSpPr>
+          <p:cNvPr id="2" name="标题 1"/>
+          <p:cNvSpPr>
+            <a:spLocks noGrp="1"/>
+          </p:cNvSpPr>
+          <p:nvPr>
+            <p:ph type="ctrTitle"/>
+          </p:nvPr>
+        </p:nvSpPr>
+        <p:spPr>
+          <a:xfrm>
+            <a:off x="685800" y="910817"/>
+            <a:ext cx="7772400" cy="1102519"/>
           </a:xfrm>
         </p:spPr>
         <p:txBody>
           <a:bodyPr/>
-          <a:lstStyle/>
-          <a:p>
-            <a:r>
-              <a:rPr lang="zh-CN" altLang="en-US" smtClean="0"/>
+          <a:lstStyle>
+            <a:lvl1pPr algn="ctr">
+              <a:defRPr sz="4800"/>
+            </a:lvl1pPr>
+          </a:lstStyle>
+          <a:p>
+            <a:r>
+              <a:rPr kumimoji="0" lang="zh-CN" altLang="en-US" smtClean="0"/>
               <a:t>单击此处编辑母版标题样式</a:t>
             </a:r>
-            <a:endParaRPr lang="zh-CN" altLang="en-US"/>
+            <a:endParaRPr kumimoji="0" lang="en-US"/>
           </a:p>
         </p:txBody>
       </p:sp>
@@ -185,21 +228,17 @@
         </p:nvSpPr>
         <p:spPr>
           <a:xfrm>
-            <a:off x="1371600" y="3886200"/>
-            <a:ext cx="6400800" cy="1752600"/>
+            <a:off x="1521733" y="2069686"/>
+            <a:ext cx="6100534" cy="1305742"/>
           </a:xfrm>
         </p:spPr>
         <p:txBody>
-          <a:bodyPr/>
+          <a:bodyPr anchor="t"/>
           <a:lstStyle>
             <a:lvl1pPr marL="0" indent="0" algn="ctr">
               <a:buNone/>
-              <a:defRPr>
-                <a:solidFill>
-                  <a:schemeClr val="tx1">
-                    <a:tint val="75000"/>
-                  </a:schemeClr>
-                </a:solidFill>
+              <a:defRPr lang="zh-CN" altLang="en-US" dirty="0">
+                <a:effectLst/>
               </a:defRPr>
             </a:lvl1pPr>
             <a:lvl2pPr marL="457200" indent="0" algn="ctr">
@@ -285,10 +324,10 @@
           </a:lstStyle>
           <a:p>
             <a:r>
-              <a:rPr lang="zh-CN" altLang="en-US" smtClean="0"/>
+              <a:rPr kumimoji="0" lang="zh-CN" altLang="en-US" smtClean="0"/>
               <a:t>单击此处编辑母版副标题样式</a:t>
             </a:r>
-            <a:endParaRPr lang="zh-CN" altLang="en-US"/>
+            <a:endParaRPr kumimoji="0" lang="en-US"/>
           </a:p>
         </p:txBody>
       </p:sp>
@@ -309,7 +348,7 @@
           <a:p>
             <a:fld id="{530820CF-B880-4189-942D-D702A7CBA730}" type="datetimeFigureOut">
               <a:rPr lang="zh-CN" altLang="en-US" smtClean="0"/>
-              <a:t>2012/10/30</a:t>
+              <a:t>2017/10/19</a:t>
             </a:fld>
             <a:endParaRPr lang="zh-CN" altLang="en-US"/>
           </a:p>
@@ -360,7 +399,7 @@
     </p:spTree>
   </p:cSld>
   <p:clrMapOvr>
-    <a:masterClrMapping/>
+    <a:overrideClrMapping bg1="dk1" tx1="lt1" bg2="dk2" tx2="lt2" accent1="accent1" accent2="accent2" accent3="accent3" accent4="accent4" accent5="accent5" accent6="accent6" hlink="hlink" folHlink="folHlink"/>
   </p:clrMapOvr>
 </p:sldLayout>
 </file>
@@ -384,6 +423,54 @@
       </p:grpSpPr>
       <p:sp>
         <p:nvSpPr>
+          <p:cNvPr id="7" name="矩形 6"/>
+          <p:cNvSpPr/>
+          <p:nvPr/>
+        </p:nvSpPr>
+        <p:spPr>
+          <a:xfrm>
+            <a:off x="0" y="0"/>
+            <a:ext cx="669600" cy="5143500"/>
+          </a:xfrm>
+          <a:prstGeom prst="rect">
+            <a:avLst/>
+          </a:prstGeom>
+          <a:blipFill>
+            <a:blip r:embed="rId2">
+              <a:alphaModFix amt="40000"/>
+            </a:blip>
+            <a:tile tx="0" ty="0" sx="50000" sy="50000" flip="x" algn="tl"/>
+          </a:blipFill>
+          <a:ln w="25400" cap="rnd" cmpd="sng" algn="ctr">
+            <a:noFill/>
+            <a:prstDash val="solid"/>
+          </a:ln>
+        </p:spPr>
+        <p:style>
+          <a:lnRef idx="2">
+            <a:schemeClr val="accent1"/>
+          </a:lnRef>
+          <a:fillRef idx="1">
+            <a:schemeClr val="accent1"/>
+          </a:fillRef>
+          <a:effectRef idx="0">
+            <a:schemeClr val="accent1"/>
+          </a:effectRef>
+          <a:fontRef idx="minor">
+            <a:schemeClr val="lt1"/>
+          </a:fontRef>
+        </p:style>
+        <p:txBody>
+          <a:bodyPr rtlCol="0" anchor="ctr"/>
+          <a:lstStyle/>
+          <a:p>
+            <a:pPr algn="ctr" eaLnBrk="1" latinLnBrk="0" hangingPunct="1"/>
+            <a:endParaRPr kumimoji="0" lang="zh-CN" altLang="en-US"/>
+          </a:p>
+        </p:txBody>
+      </p:sp>
+      <p:sp>
+        <p:nvSpPr>
           <p:cNvPr id="2" name="标题 1"/>
           <p:cNvSpPr>
             <a:spLocks noGrp="1"/>
@@ -395,13 +482,17 @@
         <p:spPr/>
         <p:txBody>
           <a:bodyPr/>
-          <a:lstStyle/>
-          <a:p>
-            <a:r>
-              <a:rPr lang="zh-CN" altLang="en-US" smtClean="0"/>
+          <a:lstStyle>
+            <a:lvl1pPr algn="r">
+              <a:defRPr/>
+            </a:lvl1pPr>
+          </a:lstStyle>
+          <a:p>
+            <a:r>
+              <a:rPr kumimoji="0" lang="zh-CN" altLang="en-US" smtClean="0"/>
               <a:t>单击此处编辑母版标题样式</a:t>
             </a:r>
-            <a:endParaRPr lang="zh-CN" altLang="en-US"/>
+            <a:endParaRPr kumimoji="0" lang="en-US"/>
           </a:p>
         </p:txBody>
       </p:sp>
@@ -415,45 +506,50 @@
             <p:ph type="body" orient="vert" idx="1"/>
           </p:nvPr>
         </p:nvSpPr>
-        <p:spPr/>
+        <p:spPr>
+          <a:xfrm>
+            <a:off x="457200" y="1125133"/>
+            <a:ext cx="8229600" cy="3536180"/>
+          </a:xfrm>
+        </p:spPr>
         <p:txBody>
           <a:bodyPr vert="eaVert"/>
           <a:lstStyle/>
           <a:p>
-            <a:pPr lvl="0"/>
+            <a:pPr lvl="0" eaLnBrk="1" latinLnBrk="0" hangingPunct="1"/>
             <a:r>
               <a:rPr lang="zh-CN" altLang="en-US" smtClean="0"/>
               <a:t>单击此处编辑母版文本样式</a:t>
             </a:r>
           </a:p>
           <a:p>
-            <a:pPr lvl="1"/>
+            <a:pPr lvl="1" eaLnBrk="1" latinLnBrk="0" hangingPunct="1"/>
             <a:r>
               <a:rPr lang="zh-CN" altLang="en-US" smtClean="0"/>
               <a:t>第二级</a:t>
             </a:r>
           </a:p>
           <a:p>
-            <a:pPr lvl="2"/>
+            <a:pPr lvl="2" eaLnBrk="1" latinLnBrk="0" hangingPunct="1"/>
             <a:r>
               <a:rPr lang="zh-CN" altLang="en-US" smtClean="0"/>
               <a:t>第三级</a:t>
             </a:r>
           </a:p>
           <a:p>
-            <a:pPr lvl="3"/>
+            <a:pPr lvl="3" eaLnBrk="1" latinLnBrk="0" hangingPunct="1"/>
             <a:r>
               <a:rPr lang="zh-CN" altLang="en-US" smtClean="0"/>
               <a:t>第四级</a:t>
             </a:r>
           </a:p>
           <a:p>
-            <a:pPr lvl="4"/>
+            <a:pPr lvl="4" eaLnBrk="1" latinLnBrk="0" hangingPunct="1"/>
             <a:r>
               <a:rPr lang="zh-CN" altLang="en-US" smtClean="0"/>
               <a:t>第五级</a:t>
             </a:r>
-            <a:endParaRPr lang="zh-CN" altLang="en-US"/>
+            <a:endParaRPr kumimoji="0" lang="en-US"/>
           </a:p>
         </p:txBody>
       </p:sp>
@@ -474,7 +570,7 @@
           <a:p>
             <a:fld id="{530820CF-B880-4189-942D-D702A7CBA730}" type="datetimeFigureOut">
               <a:rPr lang="zh-CN" altLang="en-US" smtClean="0"/>
-              <a:t>2012/10/30</a:t>
+              <a:t>2017/10/19</a:t>
             </a:fld>
             <a:endParaRPr lang="zh-CN" altLang="en-US"/>
           </a:p>
@@ -522,6 +618,39 @@
           </a:p>
         </p:txBody>
       </p:sp>
+      <p:pic>
+        <p:nvPicPr>
+          <p:cNvPr id="8" name="图片 7"/>
+          <p:cNvPicPr>
+            <a:picLocks noChangeAspect="1"/>
+          </p:cNvPicPr>
+          <p:nvPr/>
+        </p:nvPicPr>
+        <p:blipFill>
+          <a:blip r:embed="rId3">
+            <a:duotone>
+              <a:schemeClr val="bg2"/>
+              <a:srgbClr val="FFF1C1"/>
+            </a:duotone>
+          </a:blip>
+          <a:stretch>
+            <a:fillRect/>
+          </a:stretch>
+        </p:blipFill>
+        <p:spPr>
+          <a:xfrm>
+            <a:off x="8135908" y="0"/>
+            <a:ext cx="1008093" cy="1071552"/>
+          </a:xfrm>
+          <a:prstGeom prst="rect">
+            <a:avLst/>
+          </a:prstGeom>
+          <a:noFill/>
+          <a:ln>
+            <a:noFill/>
+          </a:ln>
+        </p:spPr>
+      </p:pic>
     </p:spTree>
   </p:cSld>
   <p:clrMapOvr>
@@ -549,29 +678,89 @@
       </p:grpSpPr>
       <p:sp>
         <p:nvSpPr>
-          <p:cNvPr id="2" name="竖排标题 1"/>
-          <p:cNvSpPr>
-            <a:spLocks noGrp="1"/>
-          </p:cNvSpPr>
-          <p:nvPr>
-            <p:ph type="title" orient="vert"/>
-          </p:nvPr>
+          <p:cNvPr id="7" name="矩形 6"/>
+          <p:cNvSpPr/>
+          <p:nvPr/>
         </p:nvSpPr>
         <p:spPr>
           <a:xfrm>
-            <a:off x="6629400" y="274638"/>
-            <a:ext cx="2057400" cy="5851525"/>
+            <a:off x="0" y="0"/>
+            <a:ext cx="669600" cy="5143500"/>
+          </a:xfrm>
+          <a:prstGeom prst="rect">
+            <a:avLst/>
+          </a:prstGeom>
+          <a:blipFill>
+            <a:blip r:embed="rId2">
+              <a:alphaModFix amt="40000"/>
+            </a:blip>
+            <a:tile tx="0" ty="0" sx="50000" sy="50000" flip="x" algn="tl"/>
+          </a:blipFill>
+          <a:ln w="25400" cap="rnd" cmpd="sng" algn="ctr">
+            <a:noFill/>
+            <a:prstDash val="solid"/>
+          </a:ln>
+        </p:spPr>
+        <p:style>
+          <a:lnRef idx="2">
+            <a:schemeClr val="accent1"/>
+          </a:lnRef>
+          <a:fillRef idx="1">
+            <a:schemeClr val="accent1"/>
+          </a:fillRef>
+          <a:effectRef idx="0">
+            <a:schemeClr val="accent1"/>
+          </a:effectRef>
+          <a:fontRef idx="minor">
+            <a:schemeClr val="lt1"/>
+          </a:fontRef>
+        </p:style>
+        <p:txBody>
+          <a:bodyPr rtlCol="0" anchor="ctr"/>
+          <a:lstStyle/>
+          <a:p>
+            <a:pPr algn="ctr" eaLnBrk="1" latinLnBrk="0" hangingPunct="1"/>
+            <a:endParaRPr kumimoji="0" lang="zh-CN" altLang="en-US"/>
+          </a:p>
+        </p:txBody>
+      </p:sp>
+      <p:sp>
+        <p:nvSpPr>
+          <p:cNvPr id="2" name="竖排标题 1"/>
+          <p:cNvSpPr>
+            <a:spLocks noGrp="1"/>
+          </p:cNvSpPr>
+          <p:nvPr>
+            <p:ph type="title" orient="vert"/>
+          </p:nvPr>
+        </p:nvSpPr>
+        <p:spPr>
+          <a:xfrm>
+            <a:off x="7286644" y="205979"/>
+            <a:ext cx="1400156" cy="4455333"/>
           </a:xfrm>
         </p:spPr>
         <p:txBody>
           <a:bodyPr vert="eaVert"/>
-          <a:lstStyle/>
-          <a:p>
-            <a:r>
-              <a:rPr lang="zh-CN" altLang="en-US" smtClean="0"/>
+          <a:lstStyle>
+            <a:lvl1pPr algn="ctr">
+              <a:defRPr>
+                <a:effectLst>
+                  <a:outerShdw dist="50800" dir="18900000" algn="tl" rotWithShape="0">
+                    <a:srgbClr val="000000">
+                      <a:alpha val="75000"/>
+                    </a:srgbClr>
+                  </a:outerShdw>
+                </a:effectLst>
+              </a:defRPr>
+            </a:lvl1pPr>
+          </a:lstStyle>
+          <a:p>
+            <a:r>
+              <a:rPr kumimoji="0" lang="zh-CN" altLang="en-US" smtClean="0"/>
               <a:t>单击此处编辑母版标题样式</a:t>
             </a:r>
-            <a:endParaRPr lang="zh-CN" altLang="en-US"/>
+            <a:endParaRPr kumimoji="0" lang="en-US"/>
           </a:p>
         </p:txBody>
       </p:sp>
@@ -587,48 +776,48 @@
         </p:nvSpPr>
         <p:spPr>
           <a:xfrm>
-            <a:off x="457200" y="274638"/>
-            <a:ext cx="6019800" cy="5851525"/>
+            <a:off x="457200" y="205979"/>
+            <a:ext cx="6758006" cy="4455333"/>
           </a:xfrm>
         </p:spPr>
         <p:txBody>
           <a:bodyPr vert="eaVert"/>
           <a:lstStyle/>
           <a:p>
-            <a:pPr lvl="0"/>
+            <a:pPr lvl="0" eaLnBrk="1" latinLnBrk="0" hangingPunct="1"/>
             <a:r>
               <a:rPr lang="zh-CN" altLang="en-US" smtClean="0"/>
               <a:t>单击此处编辑母版文本样式</a:t>
             </a:r>
           </a:p>
           <a:p>
-            <a:pPr lvl="1"/>
+            <a:pPr lvl="1" eaLnBrk="1" latinLnBrk="0" hangingPunct="1"/>
             <a:r>
               <a:rPr lang="zh-CN" altLang="en-US" smtClean="0"/>
               <a:t>第二级</a:t>
             </a:r>
           </a:p>
           <a:p>
-            <a:pPr lvl="2"/>
+            <a:pPr lvl="2" eaLnBrk="1" latinLnBrk="0" hangingPunct="1"/>
             <a:r>
               <a:rPr lang="zh-CN" altLang="en-US" smtClean="0"/>
               <a:t>第三级</a:t>
             </a:r>
           </a:p>
           <a:p>
-            <a:pPr lvl="3"/>
+            <a:pPr lvl="3" eaLnBrk="1" latinLnBrk="0" hangingPunct="1"/>
             <a:r>
               <a:rPr lang="zh-CN" altLang="en-US" smtClean="0"/>
               <a:t>第四级</a:t>
             </a:r>
           </a:p>
           <a:p>
-            <a:pPr lvl="4"/>
+            <a:pPr lvl="4" eaLnBrk="1" latinLnBrk="0" hangingPunct="1"/>
             <a:r>
               <a:rPr lang="zh-CN" altLang="en-US" smtClean="0"/>
               <a:t>第五级</a:t>
             </a:r>
-            <a:endParaRPr lang="zh-CN" altLang="en-US"/>
+            <a:endParaRPr kumimoji="0" lang="en-US"/>
           </a:p>
         </p:txBody>
       </p:sp>
@@ -649,7 +838,7 @@
           <a:p>
             <a:fld id="{530820CF-B880-4189-942D-D702A7CBA730}" type="datetimeFigureOut">
               <a:rPr lang="zh-CN" altLang="en-US" smtClean="0"/>
-              <a:t>2012/10/30</a:t>
+              <a:t>2017/10/19</a:t>
             </a:fld>
             <a:endParaRPr lang="zh-CN" altLang="en-US"/>
           </a:p>
@@ -697,6 +886,39 @@
           </a:p>
         </p:txBody>
       </p:sp>
+      <p:pic>
+        <p:nvPicPr>
+          <p:cNvPr id="8" name="图片 7"/>
+          <p:cNvPicPr>
+            <a:picLocks noChangeAspect="1"/>
+          </p:cNvPicPr>
+          <p:nvPr/>
+        </p:nvPicPr>
+        <p:blipFill>
+          <a:blip r:embed="rId3">
+            <a:duotone>
+              <a:schemeClr val="bg2"/>
+              <a:srgbClr val="FFF1C1"/>
+            </a:duotone>
+          </a:blip>
+          <a:stretch>
+            <a:fillRect/>
+          </a:stretch>
+        </p:blipFill>
+        <p:spPr>
+          <a:xfrm>
+            <a:off x="8135908" y="0"/>
+            <a:ext cx="1008093" cy="1071552"/>
+          </a:xfrm>
+          <a:prstGeom prst="rect">
+            <a:avLst/>
+          </a:prstGeom>
+          <a:noFill/>
+          <a:ln>
+            <a:noFill/>
+          </a:ln>
+        </p:spPr>
+      </p:pic>
     </p:spTree>
   </p:cSld>
   <p:clrMapOvr>
@@ -724,6 +946,54 @@
       </p:grpSpPr>
       <p:sp>
         <p:nvSpPr>
+          <p:cNvPr id="7" name="矩形 6"/>
+          <p:cNvSpPr/>
+          <p:nvPr/>
+        </p:nvSpPr>
+        <p:spPr>
+          <a:xfrm>
+            <a:off x="0" y="0"/>
+            <a:ext cx="669600" cy="5143500"/>
+          </a:xfrm>
+          <a:prstGeom prst="rect">
+            <a:avLst/>
+          </a:prstGeom>
+          <a:blipFill>
+            <a:blip r:embed="rId2">
+              <a:alphaModFix amt="40000"/>
+            </a:blip>
+            <a:tile tx="0" ty="0" sx="50000" sy="50000" flip="x" algn="tl"/>
+          </a:blipFill>
+          <a:ln w="25400" cap="rnd" cmpd="sng" algn="ctr">
+            <a:noFill/>
+            <a:prstDash val="solid"/>
+          </a:ln>
+        </p:spPr>
+        <p:style>
+          <a:lnRef idx="2">
+            <a:schemeClr val="accent1"/>
+          </a:lnRef>
+          <a:fillRef idx="1">
+            <a:schemeClr val="accent1"/>
+          </a:fillRef>
+          <a:effectRef idx="0">
+            <a:schemeClr val="accent1"/>
+          </a:effectRef>
+          <a:fontRef idx="minor">
+            <a:schemeClr val="lt1"/>
+          </a:fontRef>
+        </p:style>
+        <p:txBody>
+          <a:bodyPr rtlCol="0" anchor="ctr"/>
+          <a:lstStyle/>
+          <a:p>
+            <a:pPr algn="ctr" eaLnBrk="1" latinLnBrk="0" hangingPunct="1"/>
+            <a:endParaRPr kumimoji="0" lang="zh-CN" altLang="en-US"/>
+          </a:p>
+        </p:txBody>
+      </p:sp>
+      <p:sp>
+        <p:nvSpPr>
           <p:cNvPr id="2" name="标题 1"/>
           <p:cNvSpPr>
             <a:spLocks noGrp="1"/>
@@ -735,13 +1005,17 @@
         <p:spPr/>
         <p:txBody>
           <a:bodyPr/>
-          <a:lstStyle/>
-          <a:p>
-            <a:r>
-              <a:rPr lang="zh-CN" altLang="en-US" smtClean="0"/>
+          <a:lstStyle>
+            <a:lvl1pPr algn="l">
+              <a:defRPr/>
+            </a:lvl1pPr>
+          </a:lstStyle>
+          <a:p>
+            <a:r>
+              <a:rPr kumimoji="0" lang="zh-CN" altLang="en-US" smtClean="0"/>
               <a:t>单击此处编辑母版标题样式</a:t>
             </a:r>
-            <a:endParaRPr lang="zh-CN" altLang="en-US"/>
+            <a:endParaRPr kumimoji="0" lang="en-US"/>
           </a:p>
         </p:txBody>
       </p:sp>
@@ -760,40 +1034,40 @@
           <a:bodyPr/>
           <a:lstStyle/>
           <a:p>
-            <a:pPr lvl="0"/>
+            <a:pPr lvl="0" eaLnBrk="1" latinLnBrk="0" hangingPunct="1"/>
             <a:r>
               <a:rPr lang="zh-CN" altLang="en-US" smtClean="0"/>
               <a:t>单击此处编辑母版文本样式</a:t>
             </a:r>
           </a:p>
           <a:p>
-            <a:pPr lvl="1"/>
+            <a:pPr lvl="1" eaLnBrk="1" latinLnBrk="0" hangingPunct="1"/>
             <a:r>
               <a:rPr lang="zh-CN" altLang="en-US" smtClean="0"/>
               <a:t>第二级</a:t>
             </a:r>
           </a:p>
           <a:p>
-            <a:pPr lvl="2"/>
+            <a:pPr lvl="2" eaLnBrk="1" latinLnBrk="0" hangingPunct="1"/>
             <a:r>
               <a:rPr lang="zh-CN" altLang="en-US" smtClean="0"/>
               <a:t>第三级</a:t>
             </a:r>
           </a:p>
           <a:p>
-            <a:pPr lvl="3"/>
+            <a:pPr lvl="3" eaLnBrk="1" latinLnBrk="0" hangingPunct="1"/>
             <a:r>
               <a:rPr lang="zh-CN" altLang="en-US" smtClean="0"/>
               <a:t>第四级</a:t>
             </a:r>
           </a:p>
           <a:p>
-            <a:pPr lvl="4"/>
+            <a:pPr lvl="4" eaLnBrk="1" latinLnBrk="0" hangingPunct="1"/>
             <a:r>
               <a:rPr lang="zh-CN" altLang="en-US" smtClean="0"/>
               <a:t>第五级</a:t>
             </a:r>
-            <a:endParaRPr lang="zh-CN" altLang="en-US"/>
+            <a:endParaRPr kumimoji="0" lang="en-US"/>
           </a:p>
         </p:txBody>
       </p:sp>
@@ -814,7 +1088,7 @@
           <a:p>
             <a:fld id="{530820CF-B880-4189-942D-D702A7CBA730}" type="datetimeFigureOut">
               <a:rPr lang="zh-CN" altLang="en-US" smtClean="0"/>
-              <a:t>2012/10/30</a:t>
+              <a:t>2017/10/19</a:t>
             </a:fld>
             <a:endParaRPr lang="zh-CN" altLang="en-US"/>
           </a:p>
@@ -862,6 +1136,39 @@
           </a:p>
         </p:txBody>
       </p:sp>
+      <p:pic>
+        <p:nvPicPr>
+          <p:cNvPr id="8" name="图片 7"/>
+          <p:cNvPicPr>
+            <a:picLocks noChangeAspect="1"/>
+          </p:cNvPicPr>
+          <p:nvPr/>
+        </p:nvPicPr>
+        <p:blipFill>
+          <a:blip r:embed="rId3">
+            <a:duotone>
+              <a:schemeClr val="bg2"/>
+              <a:srgbClr val="FFF1C1"/>
+            </a:duotone>
+          </a:blip>
+          <a:stretch>
+            <a:fillRect/>
+          </a:stretch>
+        </p:blipFill>
+        <p:spPr>
+          <a:xfrm>
+            <a:off x="8135908" y="0"/>
+            <a:ext cx="1008093" cy="1071552"/>
+          </a:xfrm>
+          <a:prstGeom prst="rect">
+            <a:avLst/>
+          </a:prstGeom>
+          <a:noFill/>
+          <a:ln>
+            <a:noFill/>
+          </a:ln>
+        </p:spPr>
+      </p:pic>
     </p:spTree>
   </p:cSld>
   <p:clrMapOvr>
@@ -873,6 +1180,11 @@
 <file path=ppt/slideLayouts/slideLayout3.xml><?xml version="1.0" encoding="utf-8"?>
 <p:sldLayout xmlns:a="http://schemas.openxmlformats.org/drawingml/2006/main" xmlns:r="http://schemas.openxmlformats.org/officeDocument/2006/relationships" xmlns:p="http://schemas.openxmlformats.org/presentationml/2006/main" type="secHead" preserve="1">
   <p:cSld name="节标题">
+    <p:bg>
+      <p:bgRef idx="1003">
+        <a:schemeClr val="bg2"/>
+      </p:bgRef>
+    </p:bg>
     <p:spTree>
       <p:nvGrpSpPr>
         <p:cNvPr id="1" name=""/>
@@ -899,8 +1211,8 @@
         </p:nvSpPr>
         <p:spPr>
           <a:xfrm>
-            <a:off x="722313" y="4406900"/>
-            <a:ext cx="7772400" cy="1362075"/>
+            <a:off x="722313" y="3107527"/>
+            <a:ext cx="7772400" cy="1021556"/>
           </a:xfrm>
         </p:spPr>
         <p:txBody>
@@ -912,10 +1224,10 @@
           </a:lstStyle>
           <a:p>
             <a:r>
-              <a:rPr lang="zh-CN" altLang="en-US" smtClean="0"/>
+              <a:rPr kumimoji="0" lang="zh-CN" altLang="en-US" smtClean="0"/>
               <a:t>单击此处编辑母版标题样式</a:t>
             </a:r>
-            <a:endParaRPr lang="zh-CN" altLang="en-US"/>
+            <a:endParaRPr kumimoji="0" lang="en-US"/>
           </a:p>
         </p:txBody>
       </p:sp>
@@ -931,8 +1243,8 @@
         </p:nvSpPr>
         <p:spPr>
           <a:xfrm>
-            <a:off x="722313" y="2906713"/>
-            <a:ext cx="7772400" cy="1500187"/>
+            <a:off x="722313" y="1982387"/>
+            <a:ext cx="7772400" cy="1125140"/>
           </a:xfrm>
         </p:spPr>
         <p:txBody>
@@ -940,52 +1252,32 @@
           <a:lstStyle>
             <a:lvl1pPr marL="0" indent="0">
               <a:buNone/>
-              <a:defRPr sz="2000">
-                <a:solidFill>
-                  <a:schemeClr val="tx1">
-                    <a:tint val="75000"/>
-                  </a:schemeClr>
-                </a:solidFill>
+              <a:defRPr lang="zh-CN" altLang="en-US" sz="2800" smtClean="0">
+                <a:effectLst/>
               </a:defRPr>
             </a:lvl1pPr>
             <a:lvl2pPr marL="457200" indent="0">
               <a:buNone/>
-              <a:defRPr sz="1800">
-                <a:solidFill>
-                  <a:schemeClr val="tx1">
-                    <a:tint val="75000"/>
-                  </a:schemeClr>
-                </a:solidFill>
+              <a:defRPr lang="zh-CN" altLang="en-US" sz="2400" smtClean="0">
+                <a:effectLst/>
               </a:defRPr>
             </a:lvl2pPr>
             <a:lvl3pPr marL="914400" indent="0">
               <a:buNone/>
-              <a:defRPr sz="1600">
-                <a:solidFill>
-                  <a:schemeClr val="tx1">
-                    <a:tint val="75000"/>
-                  </a:schemeClr>
-                </a:solidFill>
+              <a:defRPr lang="zh-CN" altLang="en-US" sz="2000" smtClean="0">
+                <a:effectLst/>
               </a:defRPr>
             </a:lvl3pPr>
             <a:lvl4pPr marL="1371600" indent="0">
               <a:buNone/>
-              <a:defRPr sz="1400">
-                <a:solidFill>
-                  <a:schemeClr val="tx1">
-                    <a:tint val="75000"/>
-                  </a:schemeClr>
-                </a:solidFill>
+              <a:defRPr lang="zh-CN" altLang="en-US" sz="1600" smtClean="0">
+                <a:effectLst/>
               </a:defRPr>
             </a:lvl4pPr>
             <a:lvl5pPr marL="1828800" indent="0">
               <a:buNone/>
-              <a:defRPr sz="1400">
-                <a:solidFill>
-                  <a:schemeClr val="tx1">
-                    <a:tint val="75000"/>
-                  </a:schemeClr>
-                </a:solidFill>
+              <a:defRPr lang="zh-CN" altLang="en-US" sz="1400" dirty="0" smtClean="0">
+                <a:effectLst/>
               </a:defRPr>
             </a:lvl5pPr>
             <a:lvl6pPr marL="2286000" indent="0">
@@ -1030,9 +1322,9 @@
             </a:lvl9pPr>
           </a:lstStyle>
           <a:p>
-            <a:pPr lvl="0"/>
-            <a:r>
-              <a:rPr lang="zh-CN" altLang="en-US" smtClean="0"/>
+            <a:pPr lvl="0" eaLnBrk="1" latinLnBrk="0" hangingPunct="1"/>
+            <a:r>
+              <a:rPr kumimoji="0" lang="zh-CN" altLang="en-US" smtClean="0"/>
               <a:t>单击此处编辑母版文本样式</a:t>
             </a:r>
           </a:p>
@@ -1055,7 +1347,7 @@
           <a:p>
             <a:fld id="{530820CF-B880-4189-942D-D702A7CBA730}" type="datetimeFigureOut">
               <a:rPr lang="zh-CN" altLang="en-US" smtClean="0"/>
-              <a:t>2012/10/30</a:t>
+              <a:t>2017/10/19</a:t>
             </a:fld>
             <a:endParaRPr lang="zh-CN" altLang="en-US"/>
           </a:p>
@@ -1103,10 +1395,44 @@
           </a:p>
         </p:txBody>
       </p:sp>
+      <p:pic>
+        <p:nvPicPr>
+          <p:cNvPr id="7" name="图片 6"/>
+          <p:cNvPicPr>
+            <a:picLocks noChangeAspect="1"/>
+          </p:cNvPicPr>
+          <p:nvPr/>
+        </p:nvPicPr>
+        <p:blipFill>
+          <a:blip r:embed="rId2">
+            <a:duotone>
+              <a:schemeClr val="bg2"/>
+              <a:srgbClr val="FFF1C1"/>
+            </a:duotone>
+            <a:lum bright="-10000" contrast="-30000"/>
+          </a:blip>
+          <a:stretch>
+            <a:fillRect/>
+          </a:stretch>
+        </p:blipFill>
+        <p:spPr>
+          <a:xfrm>
+            <a:off x="7480636" y="0"/>
+            <a:ext cx="1663364" cy="1768073"/>
+          </a:xfrm>
+          <a:prstGeom prst="rect">
+            <a:avLst/>
+          </a:prstGeom>
+          <a:noFill/>
+          <a:ln>
+            <a:noFill/>
+          </a:ln>
+        </p:spPr>
+      </p:pic>
     </p:spTree>
   </p:cSld>
   <p:clrMapOvr>
-    <a:masterClrMapping/>
+    <a:overrideClrMapping bg1="dk1" tx1="lt1" bg2="dk2" tx2="lt2" accent1="accent1" accent2="accent2" accent3="accent3" accent4="accent4" accent5="accent5" accent6="accent6" hlink="hlink" folHlink="folHlink"/>
   </p:clrMapOvr>
 </p:sldLayout>
 </file>
@@ -1130,41 +1456,89 @@
       </p:grpSpPr>
       <p:sp>
         <p:nvSpPr>
-          <p:cNvPr id="2" name="标题 1"/>
-          <p:cNvSpPr>
-            <a:spLocks noGrp="1"/>
-          </p:cNvSpPr>
-          <p:nvPr>
-            <p:ph type="title"/>
-          </p:nvPr>
-        </p:nvSpPr>
-        <p:spPr/>
-        <p:txBody>
-          <a:bodyPr/>
-          <a:lstStyle/>
-          <a:p>
-            <a:r>
-              <a:rPr lang="zh-CN" altLang="en-US" smtClean="0"/>
-              <a:t>单击此处编辑母版标题样式</a:t>
-            </a:r>
-            <a:endParaRPr lang="zh-CN" altLang="en-US"/>
-          </a:p>
-        </p:txBody>
-      </p:sp>
-      <p:sp>
-        <p:nvSpPr>
-          <p:cNvPr id="3" name="内容占位符 2"/>
-          <p:cNvSpPr>
-            <a:spLocks noGrp="1"/>
-          </p:cNvSpPr>
-          <p:nvPr>
-            <p:ph sz="half" idx="1"/>
-          </p:nvPr>
+          <p:cNvPr id="8" name="矩形 7"/>
+          <p:cNvSpPr/>
+          <p:nvPr/>
         </p:nvSpPr>
         <p:spPr>
           <a:xfrm>
-            <a:off x="457200" y="1600200"/>
-            <a:ext cx="4038600" cy="4525963"/>
+            <a:off x="0" y="0"/>
+            <a:ext cx="655200" cy="5143500"/>
+          </a:xfrm>
+          <a:prstGeom prst="rect">
+            <a:avLst/>
+          </a:prstGeom>
+          <a:blipFill>
+            <a:blip r:embed="rId2">
+              <a:alphaModFix amt="40000"/>
+            </a:blip>
+            <a:tile tx="0" ty="0" sx="50000" sy="50000" flip="x" algn="tl"/>
+          </a:blipFill>
+          <a:ln w="25400" cap="rnd" cmpd="sng" algn="ctr">
+            <a:noFill/>
+            <a:prstDash val="solid"/>
+          </a:ln>
+        </p:spPr>
+        <p:style>
+          <a:lnRef idx="2">
+            <a:schemeClr val="accent1"/>
+          </a:lnRef>
+          <a:fillRef idx="1">
+            <a:schemeClr val="accent1"/>
+          </a:fillRef>
+          <a:effectRef idx="0">
+            <a:schemeClr val="accent1"/>
+          </a:effectRef>
+          <a:fontRef idx="minor">
+            <a:schemeClr val="lt1"/>
+          </a:fontRef>
+        </p:style>
+        <p:txBody>
+          <a:bodyPr rtlCol="0" anchor="ctr"/>
+          <a:lstStyle/>
+          <a:p>
+            <a:pPr algn="ctr" eaLnBrk="1" latinLnBrk="0" hangingPunct="1"/>
+            <a:endParaRPr kumimoji="0" lang="zh-CN" altLang="en-US"/>
+          </a:p>
+        </p:txBody>
+      </p:sp>
+      <p:sp>
+        <p:nvSpPr>
+          <p:cNvPr id="2" name="标题 1"/>
+          <p:cNvSpPr>
+            <a:spLocks noGrp="1"/>
+          </p:cNvSpPr>
+          <p:nvPr>
+            <p:ph type="title"/>
+          </p:nvPr>
+        </p:nvSpPr>
+        <p:spPr/>
+        <p:txBody>
+          <a:bodyPr/>
+          <a:lstStyle/>
+          <a:p>
+            <a:r>
+              <a:rPr kumimoji="0" lang="zh-CN" altLang="en-US" smtClean="0"/>
+              <a:t>单击此处编辑母版标题样式</a:t>
+            </a:r>
+            <a:endParaRPr kumimoji="0" lang="en-US"/>
+          </a:p>
+        </p:txBody>
+      </p:sp>
+      <p:sp>
+        <p:nvSpPr>
+          <p:cNvPr id="3" name="内容占位符 2"/>
+          <p:cNvSpPr>
+            <a:spLocks noGrp="1"/>
+          </p:cNvSpPr>
+          <p:nvPr>
+            <p:ph sz="half" idx="1"/>
+          </p:nvPr>
+        </p:nvSpPr>
+        <p:spPr>
+          <a:xfrm>
+            <a:off x="457200" y="1200151"/>
+            <a:ext cx="4038600" cy="3394472"/>
           </a:xfrm>
         </p:spPr>
         <p:txBody>
@@ -1199,40 +1573,40 @@
             </a:lvl9pPr>
           </a:lstStyle>
           <a:p>
-            <a:pPr lvl="0"/>
+            <a:pPr lvl="0" eaLnBrk="1" latinLnBrk="0" hangingPunct="1"/>
             <a:r>
               <a:rPr lang="zh-CN" altLang="en-US" smtClean="0"/>
               <a:t>单击此处编辑母版文本样式</a:t>
             </a:r>
           </a:p>
           <a:p>
-            <a:pPr lvl="1"/>
+            <a:pPr lvl="1" eaLnBrk="1" latinLnBrk="0" hangingPunct="1"/>
             <a:r>
               <a:rPr lang="zh-CN" altLang="en-US" smtClean="0"/>
               <a:t>第二级</a:t>
             </a:r>
           </a:p>
           <a:p>
-            <a:pPr lvl="2"/>
+            <a:pPr lvl="2" eaLnBrk="1" latinLnBrk="0" hangingPunct="1"/>
             <a:r>
               <a:rPr lang="zh-CN" altLang="en-US" smtClean="0"/>
               <a:t>第三级</a:t>
             </a:r>
           </a:p>
           <a:p>
-            <a:pPr lvl="3"/>
+            <a:pPr lvl="3" eaLnBrk="1" latinLnBrk="0" hangingPunct="1"/>
             <a:r>
               <a:rPr lang="zh-CN" altLang="en-US" smtClean="0"/>
               <a:t>第四级</a:t>
             </a:r>
           </a:p>
           <a:p>
-            <a:pPr lvl="4"/>
+            <a:pPr lvl="4" eaLnBrk="1" latinLnBrk="0" hangingPunct="1"/>
             <a:r>
               <a:rPr lang="zh-CN" altLang="en-US" smtClean="0"/>
               <a:t>第五级</a:t>
             </a:r>
-            <a:endParaRPr lang="zh-CN" altLang="en-US"/>
+            <a:endParaRPr kumimoji="0" lang="en-US"/>
           </a:p>
         </p:txBody>
       </p:sp>
@@ -1248,8 +1622,8 @@
         </p:nvSpPr>
         <p:spPr>
           <a:xfrm>
-            <a:off x="4648200" y="1600200"/>
-            <a:ext cx="4038600" cy="4525963"/>
+            <a:off x="4648200" y="1200151"/>
+            <a:ext cx="4038600" cy="3394472"/>
           </a:xfrm>
         </p:spPr>
         <p:txBody>
@@ -1284,40 +1658,40 @@
             </a:lvl9pPr>
           </a:lstStyle>
           <a:p>
-            <a:pPr lvl="0"/>
+            <a:pPr lvl="0" eaLnBrk="1" latinLnBrk="0" hangingPunct="1"/>
             <a:r>
               <a:rPr lang="zh-CN" altLang="en-US" smtClean="0"/>
               <a:t>单击此处编辑母版文本样式</a:t>
             </a:r>
           </a:p>
           <a:p>
-            <a:pPr lvl="1"/>
+            <a:pPr lvl="1" eaLnBrk="1" latinLnBrk="0" hangingPunct="1"/>
             <a:r>
               <a:rPr lang="zh-CN" altLang="en-US" smtClean="0"/>
               <a:t>第二级</a:t>
             </a:r>
           </a:p>
           <a:p>
-            <a:pPr lvl="2"/>
+            <a:pPr lvl="2" eaLnBrk="1" latinLnBrk="0" hangingPunct="1"/>
             <a:r>
               <a:rPr lang="zh-CN" altLang="en-US" smtClean="0"/>
               <a:t>第三级</a:t>
             </a:r>
           </a:p>
           <a:p>
-            <a:pPr lvl="3"/>
+            <a:pPr lvl="3" eaLnBrk="1" latinLnBrk="0" hangingPunct="1"/>
             <a:r>
               <a:rPr lang="zh-CN" altLang="en-US" smtClean="0"/>
               <a:t>第四级</a:t>
             </a:r>
           </a:p>
           <a:p>
-            <a:pPr lvl="4"/>
+            <a:pPr lvl="4" eaLnBrk="1" latinLnBrk="0" hangingPunct="1"/>
             <a:r>
               <a:rPr lang="zh-CN" altLang="en-US" smtClean="0"/>
               <a:t>第五级</a:t>
             </a:r>
-            <a:endParaRPr lang="zh-CN" altLang="en-US"/>
+            <a:endParaRPr kumimoji="0" lang="en-US"/>
           </a:p>
         </p:txBody>
       </p:sp>
@@ -1338,7 +1712,7 @@
           <a:p>
             <a:fld id="{530820CF-B880-4189-942D-D702A7CBA730}" type="datetimeFigureOut">
               <a:rPr lang="zh-CN" altLang="en-US" smtClean="0"/>
-              <a:t>2012/10/30</a:t>
+              <a:t>2017/10/19</a:t>
             </a:fld>
             <a:endParaRPr lang="zh-CN" altLang="en-US"/>
           </a:p>
@@ -1386,6 +1760,39 @@
           </a:p>
         </p:txBody>
       </p:sp>
+      <p:pic>
+        <p:nvPicPr>
+          <p:cNvPr id="9" name="图片 8"/>
+          <p:cNvPicPr>
+            <a:picLocks noChangeAspect="1"/>
+          </p:cNvPicPr>
+          <p:nvPr/>
+        </p:nvPicPr>
+        <p:blipFill>
+          <a:blip r:embed="rId3">
+            <a:duotone>
+              <a:schemeClr val="bg2"/>
+              <a:srgbClr val="FFF1C1"/>
+            </a:duotone>
+          </a:blip>
+          <a:stretch>
+            <a:fillRect/>
+          </a:stretch>
+        </p:blipFill>
+        <p:spPr>
+          <a:xfrm>
+            <a:off x="8135908" y="0"/>
+            <a:ext cx="1008093" cy="1071552"/>
+          </a:xfrm>
+          <a:prstGeom prst="rect">
+            <a:avLst/>
+          </a:prstGeom>
+          <a:noFill/>
+          <a:ln>
+            <a:noFill/>
+          </a:ln>
+        </p:spPr>
+      </p:pic>
     </p:spTree>
   </p:cSld>
   <p:clrMapOvr>
@@ -1413,6 +1820,54 @@
       </p:grpSpPr>
       <p:sp>
         <p:nvSpPr>
+          <p:cNvPr id="10" name="矩形 9"/>
+          <p:cNvSpPr/>
+          <p:nvPr/>
+        </p:nvSpPr>
+        <p:spPr>
+          <a:xfrm>
+            <a:off x="0" y="0"/>
+            <a:ext cx="640800" cy="5143500"/>
+          </a:xfrm>
+          <a:prstGeom prst="rect">
+            <a:avLst/>
+          </a:prstGeom>
+          <a:blipFill>
+            <a:blip r:embed="rId2">
+              <a:alphaModFix amt="40000"/>
+            </a:blip>
+            <a:tile tx="0" ty="0" sx="50000" sy="50000" flip="x" algn="tl"/>
+          </a:blipFill>
+          <a:ln w="25400" cap="rnd" cmpd="sng" algn="ctr">
+            <a:noFill/>
+            <a:prstDash val="solid"/>
+          </a:ln>
+        </p:spPr>
+        <p:style>
+          <a:lnRef idx="2">
+            <a:schemeClr val="accent1"/>
+          </a:lnRef>
+          <a:fillRef idx="1">
+            <a:schemeClr val="accent1"/>
+          </a:fillRef>
+          <a:effectRef idx="0">
+            <a:schemeClr val="accent1"/>
+          </a:effectRef>
+          <a:fontRef idx="minor">
+            <a:schemeClr val="lt1"/>
+          </a:fontRef>
+        </p:style>
+        <p:txBody>
+          <a:bodyPr rtlCol="0" anchor="ctr"/>
+          <a:lstStyle/>
+          <a:p>
+            <a:pPr algn="ctr" eaLnBrk="1" latinLnBrk="0" hangingPunct="1"/>
+            <a:endParaRPr kumimoji="0" lang="zh-CN" altLang="en-US"/>
+          </a:p>
+        </p:txBody>
+      </p:sp>
+      <p:sp>
+        <p:nvSpPr>
           <p:cNvPr id="2" name="标题 1"/>
           <p:cNvSpPr>
             <a:spLocks noGrp="1"/>
@@ -1431,10 +1886,10 @@
           </a:lstStyle>
           <a:p>
             <a:r>
-              <a:rPr lang="zh-CN" altLang="en-US" smtClean="0"/>
+              <a:rPr kumimoji="0" lang="zh-CN" altLang="en-US" smtClean="0"/>
               <a:t>单击此处编辑母版标题样式</a:t>
             </a:r>
-            <a:endParaRPr lang="zh-CN" altLang="en-US"/>
+            <a:endParaRPr kumimoji="0" lang="en-US"/>
           </a:p>
         </p:txBody>
       </p:sp>
@@ -1450,8 +1905,8 @@
         </p:nvSpPr>
         <p:spPr>
           <a:xfrm>
-            <a:off x="457200" y="1535113"/>
-            <a:ext cx="4040188" cy="639762"/>
+            <a:off x="457200" y="1151335"/>
+            <a:ext cx="4040188" cy="479822"/>
           </a:xfrm>
         </p:spPr>
         <p:txBody>
@@ -1495,9 +1950,9 @@
             </a:lvl9pPr>
           </a:lstStyle>
           <a:p>
-            <a:pPr lvl="0"/>
-            <a:r>
-              <a:rPr lang="zh-CN" altLang="en-US" smtClean="0"/>
+            <a:pPr lvl="0" eaLnBrk="1" latinLnBrk="0" hangingPunct="1"/>
+            <a:r>
+              <a:rPr kumimoji="0" lang="zh-CN" altLang="en-US" smtClean="0"/>
               <a:t>单击此处编辑母版文本样式</a:t>
             </a:r>
           </a:p>
@@ -1515,8 +1970,8 @@
         </p:nvSpPr>
         <p:spPr>
           <a:xfrm>
-            <a:off x="457200" y="2174875"/>
-            <a:ext cx="4040188" cy="3951288"/>
+            <a:off x="457200" y="1631156"/>
+            <a:ext cx="4040188" cy="2963466"/>
           </a:xfrm>
         </p:spPr>
         <p:txBody>
@@ -1551,40 +2006,40 @@
             </a:lvl9pPr>
           </a:lstStyle>
           <a:p>
-            <a:pPr lvl="0"/>
+            <a:pPr lvl="0" eaLnBrk="1" latinLnBrk="0" hangingPunct="1"/>
             <a:r>
               <a:rPr lang="zh-CN" altLang="en-US" smtClean="0"/>
               <a:t>单击此处编辑母版文本样式</a:t>
             </a:r>
           </a:p>
           <a:p>
-            <a:pPr lvl="1"/>
+            <a:pPr lvl="1" eaLnBrk="1" latinLnBrk="0" hangingPunct="1"/>
             <a:r>
               <a:rPr lang="zh-CN" altLang="en-US" smtClean="0"/>
               <a:t>第二级</a:t>
             </a:r>
           </a:p>
           <a:p>
-            <a:pPr lvl="2"/>
+            <a:pPr lvl="2" eaLnBrk="1" latinLnBrk="0" hangingPunct="1"/>
             <a:r>
               <a:rPr lang="zh-CN" altLang="en-US" smtClean="0"/>
               <a:t>第三级</a:t>
             </a:r>
           </a:p>
           <a:p>
-            <a:pPr lvl="3"/>
+            <a:pPr lvl="3" eaLnBrk="1" latinLnBrk="0" hangingPunct="1"/>
             <a:r>
               <a:rPr lang="zh-CN" altLang="en-US" smtClean="0"/>
               <a:t>第四级</a:t>
             </a:r>
           </a:p>
           <a:p>
-            <a:pPr lvl="4"/>
+            <a:pPr lvl="4" eaLnBrk="1" latinLnBrk="0" hangingPunct="1"/>
             <a:r>
               <a:rPr lang="zh-CN" altLang="en-US" smtClean="0"/>
               <a:t>第五级</a:t>
             </a:r>
-            <a:endParaRPr lang="zh-CN" altLang="en-US"/>
+            <a:endParaRPr kumimoji="0" lang="en-US"/>
           </a:p>
         </p:txBody>
       </p:sp>
@@ -1600,8 +2055,8 @@
         </p:nvSpPr>
         <p:spPr>
           <a:xfrm>
-            <a:off x="4645025" y="1535113"/>
-            <a:ext cx="4041775" cy="639762"/>
+            <a:off x="4645026" y="1151335"/>
+            <a:ext cx="4041775" cy="479822"/>
           </a:xfrm>
         </p:spPr>
         <p:txBody>
@@ -1645,9 +2100,9 @@
             </a:lvl9pPr>
           </a:lstStyle>
           <a:p>
-            <a:pPr lvl="0"/>
-            <a:r>
-              <a:rPr lang="zh-CN" altLang="en-US" smtClean="0"/>
+            <a:pPr lvl="0" eaLnBrk="1" latinLnBrk="0" hangingPunct="1"/>
+            <a:r>
+              <a:rPr kumimoji="0" lang="zh-CN" altLang="en-US" smtClean="0"/>
               <a:t>单击此处编辑母版文本样式</a:t>
             </a:r>
           </a:p>
@@ -1665,8 +2120,8 @@
         </p:nvSpPr>
         <p:spPr>
           <a:xfrm>
-            <a:off x="4645025" y="2174875"/>
-            <a:ext cx="4041775" cy="3951288"/>
+            <a:off x="4645026" y="1631156"/>
+            <a:ext cx="4041775" cy="2963466"/>
           </a:xfrm>
         </p:spPr>
         <p:txBody>
@@ -1701,40 +2156,40 @@
             </a:lvl9pPr>
           </a:lstStyle>
           <a:p>
-            <a:pPr lvl="0"/>
+            <a:pPr lvl="0" eaLnBrk="1" latinLnBrk="0" hangingPunct="1"/>
             <a:r>
               <a:rPr lang="zh-CN" altLang="en-US" smtClean="0"/>
               <a:t>单击此处编辑母版文本样式</a:t>
             </a:r>
           </a:p>
           <a:p>
-            <a:pPr lvl="1"/>
+            <a:pPr lvl="1" eaLnBrk="1" latinLnBrk="0" hangingPunct="1"/>
             <a:r>
               <a:rPr lang="zh-CN" altLang="en-US" smtClean="0"/>
               <a:t>第二级</a:t>
             </a:r>
           </a:p>
           <a:p>
-            <a:pPr lvl="2"/>
+            <a:pPr lvl="2" eaLnBrk="1" latinLnBrk="0" hangingPunct="1"/>
             <a:r>
               <a:rPr lang="zh-CN" altLang="en-US" smtClean="0"/>
               <a:t>第三级</a:t>
             </a:r>
           </a:p>
           <a:p>
-            <a:pPr lvl="3"/>
+            <a:pPr lvl="3" eaLnBrk="1" latinLnBrk="0" hangingPunct="1"/>
             <a:r>
               <a:rPr lang="zh-CN" altLang="en-US" smtClean="0"/>
               <a:t>第四级</a:t>
             </a:r>
           </a:p>
           <a:p>
-            <a:pPr lvl="4"/>
+            <a:pPr lvl="4" eaLnBrk="1" latinLnBrk="0" hangingPunct="1"/>
             <a:r>
               <a:rPr lang="zh-CN" altLang="en-US" smtClean="0"/>
               <a:t>第五级</a:t>
             </a:r>
-            <a:endParaRPr lang="zh-CN" altLang="en-US"/>
+            <a:endParaRPr kumimoji="0" lang="en-US"/>
           </a:p>
         </p:txBody>
       </p:sp>
@@ -1755,7 +2210,7 @@
           <a:p>
             <a:fld id="{530820CF-B880-4189-942D-D702A7CBA730}" type="datetimeFigureOut">
               <a:rPr lang="zh-CN" altLang="en-US" smtClean="0"/>
-              <a:t>2012/10/30</a:t>
+              <a:t>2017/10/19</a:t>
             </a:fld>
             <a:endParaRPr lang="zh-CN" altLang="en-US"/>
           </a:p>
@@ -1803,6 +2258,39 @@
           </a:p>
         </p:txBody>
       </p:sp>
+      <p:pic>
+        <p:nvPicPr>
+          <p:cNvPr id="11" name="图片 10"/>
+          <p:cNvPicPr>
+            <a:picLocks noChangeAspect="1"/>
+          </p:cNvPicPr>
+          <p:nvPr/>
+        </p:nvPicPr>
+        <p:blipFill>
+          <a:blip r:embed="rId3">
+            <a:duotone>
+              <a:schemeClr val="bg2"/>
+              <a:srgbClr val="FFF1C1"/>
+            </a:duotone>
+          </a:blip>
+          <a:stretch>
+            <a:fillRect/>
+          </a:stretch>
+        </p:blipFill>
+        <p:spPr>
+          <a:xfrm>
+            <a:off x="8135908" y="0"/>
+            <a:ext cx="1008093" cy="1071552"/>
+          </a:xfrm>
+          <a:prstGeom prst="rect">
+            <a:avLst/>
+          </a:prstGeom>
+          <a:noFill/>
+          <a:ln>
+            <a:noFill/>
+          </a:ln>
+        </p:spPr>
+      </p:pic>
     </p:spTree>
   </p:cSld>
   <p:clrMapOvr>
@@ -1830,6 +2318,54 @@
       </p:grpSpPr>
       <p:sp>
         <p:nvSpPr>
+          <p:cNvPr id="6" name="矩形 5"/>
+          <p:cNvSpPr/>
+          <p:nvPr/>
+        </p:nvSpPr>
+        <p:spPr>
+          <a:xfrm>
+            <a:off x="0" y="0"/>
+            <a:ext cx="669600" cy="5143500"/>
+          </a:xfrm>
+          <a:prstGeom prst="rect">
+            <a:avLst/>
+          </a:prstGeom>
+          <a:blipFill>
+            <a:blip r:embed="rId2">
+              <a:alphaModFix amt="40000"/>
+            </a:blip>
+            <a:tile tx="0" ty="0" sx="50000" sy="50000" flip="x" algn="tl"/>
+          </a:blipFill>
+          <a:ln w="25400" cap="rnd" cmpd="sng" algn="ctr">
+            <a:noFill/>
+            <a:prstDash val="solid"/>
+          </a:ln>
+        </p:spPr>
+        <p:style>
+          <a:lnRef idx="2">
+            <a:schemeClr val="accent1"/>
+          </a:lnRef>
+          <a:fillRef idx="1">
+            <a:schemeClr val="accent1"/>
+          </a:fillRef>
+          <a:effectRef idx="0">
+            <a:schemeClr val="accent1"/>
+          </a:effectRef>
+          <a:fontRef idx="minor">
+            <a:schemeClr val="lt1"/>
+          </a:fontRef>
+        </p:style>
+        <p:txBody>
+          <a:bodyPr rtlCol="0" anchor="ctr"/>
+          <a:lstStyle/>
+          <a:p>
+            <a:pPr algn="ctr" eaLnBrk="1" latinLnBrk="0" hangingPunct="1"/>
+            <a:endParaRPr kumimoji="0" lang="zh-CN" altLang="en-US"/>
+          </a:p>
+        </p:txBody>
+      </p:sp>
+      <p:sp>
+        <p:nvSpPr>
           <p:cNvPr id="2" name="标题 1"/>
           <p:cNvSpPr>
             <a:spLocks noGrp="1"/>
@@ -1844,10 +2380,10 @@
           <a:lstStyle/>
           <a:p>
             <a:r>
-              <a:rPr lang="zh-CN" altLang="en-US" smtClean="0"/>
+              <a:rPr kumimoji="0" lang="zh-CN" altLang="en-US" smtClean="0"/>
               <a:t>单击此处编辑母版标题样式</a:t>
             </a:r>
-            <a:endParaRPr lang="zh-CN" altLang="en-US"/>
+            <a:endParaRPr kumimoji="0" lang="en-US"/>
           </a:p>
         </p:txBody>
       </p:sp>
@@ -1868,7 +2404,7 @@
           <a:p>
             <a:fld id="{530820CF-B880-4189-942D-D702A7CBA730}" type="datetimeFigureOut">
               <a:rPr lang="zh-CN" altLang="en-US" smtClean="0"/>
-              <a:t>2012/10/30</a:t>
+              <a:t>2017/10/19</a:t>
             </a:fld>
             <a:endParaRPr lang="zh-CN" altLang="en-US"/>
           </a:p>
@@ -1916,6 +2452,39 @@
           </a:p>
         </p:txBody>
       </p:sp>
+      <p:pic>
+        <p:nvPicPr>
+          <p:cNvPr id="7" name="图片 6"/>
+          <p:cNvPicPr>
+            <a:picLocks noChangeAspect="1"/>
+          </p:cNvPicPr>
+          <p:nvPr/>
+        </p:nvPicPr>
+        <p:blipFill>
+          <a:blip r:embed="rId3">
+            <a:duotone>
+              <a:schemeClr val="bg2"/>
+              <a:srgbClr val="FFF1C1"/>
+            </a:duotone>
+          </a:blip>
+          <a:stretch>
+            <a:fillRect/>
+          </a:stretch>
+        </p:blipFill>
+        <p:spPr>
+          <a:xfrm>
+            <a:off x="8135908" y="0"/>
+            <a:ext cx="1008093" cy="1071552"/>
+          </a:xfrm>
+          <a:prstGeom prst="rect">
+            <a:avLst/>
+          </a:prstGeom>
+          <a:noFill/>
+          <a:ln>
+            <a:noFill/>
+          </a:ln>
+        </p:spPr>
+      </p:pic>
     </p:spTree>
   </p:cSld>
   <p:clrMapOvr>
@@ -1943,6 +2512,54 @@
       </p:grpSpPr>
       <p:sp>
         <p:nvSpPr>
+          <p:cNvPr id="5" name="矩形 4"/>
+          <p:cNvSpPr/>
+          <p:nvPr/>
+        </p:nvSpPr>
+        <p:spPr>
+          <a:xfrm>
+            <a:off x="0" y="0"/>
+            <a:ext cx="669600" cy="5143500"/>
+          </a:xfrm>
+          <a:prstGeom prst="rect">
+            <a:avLst/>
+          </a:prstGeom>
+          <a:blipFill>
+            <a:blip r:embed="rId2">
+              <a:alphaModFix amt="40000"/>
+            </a:blip>
+            <a:tile tx="0" ty="0" sx="50000" sy="50000" flip="x" algn="tl"/>
+          </a:blipFill>
+          <a:ln w="25400" cap="rnd" cmpd="sng" algn="ctr">
+            <a:noFill/>
+            <a:prstDash val="solid"/>
+          </a:ln>
+        </p:spPr>
+        <p:style>
+          <a:lnRef idx="2">
+            <a:schemeClr val="accent1"/>
+          </a:lnRef>
+          <a:fillRef idx="1">
+            <a:schemeClr val="accent1"/>
+          </a:fillRef>
+          <a:effectRef idx="0">
+            <a:schemeClr val="accent1"/>
+          </a:effectRef>
+          <a:fontRef idx="minor">
+            <a:schemeClr val="lt1"/>
+          </a:fontRef>
+        </p:style>
+        <p:txBody>
+          <a:bodyPr rtlCol="0" anchor="ctr"/>
+          <a:lstStyle/>
+          <a:p>
+            <a:pPr algn="ctr" eaLnBrk="1" latinLnBrk="0" hangingPunct="1"/>
+            <a:endParaRPr kumimoji="0" lang="zh-CN" altLang="en-US"/>
+          </a:p>
+        </p:txBody>
+      </p:sp>
+      <p:sp>
+        <p:nvSpPr>
           <p:cNvPr id="2" name="日期占位符 1"/>
           <p:cNvSpPr>
             <a:spLocks noGrp="1"/>
@@ -1958,7 +2575,7 @@
           <a:p>
             <a:fld id="{530820CF-B880-4189-942D-D702A7CBA730}" type="datetimeFigureOut">
               <a:rPr lang="zh-CN" altLang="en-US" smtClean="0"/>
-              <a:t>2012/10/30</a:t>
+              <a:t>2017/10/19</a:t>
             </a:fld>
             <a:endParaRPr lang="zh-CN" altLang="en-US"/>
           </a:p>
@@ -2006,6 +2623,39 @@
           </a:p>
         </p:txBody>
       </p:sp>
+      <p:pic>
+        <p:nvPicPr>
+          <p:cNvPr id="6" name="图片 5"/>
+          <p:cNvPicPr>
+            <a:picLocks noChangeAspect="1"/>
+          </p:cNvPicPr>
+          <p:nvPr/>
+        </p:nvPicPr>
+        <p:blipFill>
+          <a:blip r:embed="rId3">
+            <a:duotone>
+              <a:schemeClr val="bg2"/>
+              <a:srgbClr val="FFF1C1"/>
+            </a:duotone>
+          </a:blip>
+          <a:stretch>
+            <a:fillRect/>
+          </a:stretch>
+        </p:blipFill>
+        <p:spPr>
+          <a:xfrm>
+            <a:off x="8135908" y="0"/>
+            <a:ext cx="1008093" cy="1071552"/>
+          </a:xfrm>
+          <a:prstGeom prst="rect">
+            <a:avLst/>
+          </a:prstGeom>
+          <a:noFill/>
+          <a:ln>
+            <a:noFill/>
+          </a:ln>
+        </p:spPr>
+      </p:pic>
     </p:spTree>
   </p:cSld>
   <p:clrMapOvr>
@@ -2033,33 +2683,99 @@
       </p:grpSpPr>
       <p:sp>
         <p:nvSpPr>
-          <p:cNvPr id="2" name="标题 1"/>
-          <p:cNvSpPr>
-            <a:spLocks noGrp="1"/>
-          </p:cNvSpPr>
-          <p:nvPr>
-            <p:ph type="title"/>
-          </p:nvPr>
+          <p:cNvPr id="8" name="矩形 7"/>
+          <p:cNvSpPr/>
+          <p:nvPr/>
         </p:nvSpPr>
         <p:spPr>
           <a:xfrm>
-            <a:off x="457200" y="273050"/>
-            <a:ext cx="3008313" cy="1162050"/>
+            <a:off x="0" y="0"/>
+            <a:ext cx="673200" cy="5143500"/>
+          </a:xfrm>
+          <a:prstGeom prst="rect">
+            <a:avLst/>
+          </a:prstGeom>
+          <a:blipFill>
+            <a:blip r:embed="rId2">
+              <a:alphaModFix amt="40000"/>
+            </a:blip>
+            <a:tile tx="0" ty="0" sx="50000" sy="50000" flip="x" algn="tl"/>
+          </a:blipFill>
+          <a:ln w="25400" cap="rnd" cmpd="sng" algn="ctr">
+            <a:noFill/>
+            <a:prstDash val="solid"/>
+          </a:ln>
+        </p:spPr>
+        <p:style>
+          <a:lnRef idx="2">
+            <a:schemeClr val="accent1"/>
+          </a:lnRef>
+          <a:fillRef idx="1">
+            <a:schemeClr val="accent1"/>
+          </a:fillRef>
+          <a:effectRef idx="0">
+            <a:schemeClr val="accent1"/>
+          </a:effectRef>
+          <a:fontRef idx="minor">
+            <a:schemeClr val="lt1"/>
+          </a:fontRef>
+        </p:style>
+        <p:txBody>
+          <a:bodyPr rtlCol="0" anchor="ctr"/>
+          <a:lstStyle/>
+          <a:p>
+            <a:pPr algn="ctr" eaLnBrk="1" latinLnBrk="0" hangingPunct="1"/>
+            <a:endParaRPr kumimoji="0" lang="zh-CN" altLang="en-US"/>
+          </a:p>
+        </p:txBody>
+      </p:sp>
+      <p:sp>
+        <p:nvSpPr>
+          <p:cNvPr id="2" name="标题 1"/>
+          <p:cNvSpPr>
+            <a:spLocks noGrp="1"/>
+          </p:cNvSpPr>
+          <p:nvPr>
+            <p:ph type="title"/>
+          </p:nvPr>
+        </p:nvSpPr>
+        <p:spPr>
+          <a:xfrm>
+            <a:off x="461176" y="4018370"/>
+            <a:ext cx="8226225" cy="576021"/>
           </a:xfrm>
         </p:spPr>
         <p:txBody>
-          <a:bodyPr anchor="b"/>
+          <a:bodyPr anchor="ctr"/>
           <a:lstStyle>
-            <a:lvl1pPr algn="l">
-              <a:defRPr sz="2000" b="1"/>
+            <a:lvl1pPr algn="ctr">
+              <a:defRPr lang="zh-CN" altLang="en-US" sz="3600" b="0" kern="1200" spc="50" dirty="0">
+                <a:ln w="12700">
+                  <a:noFill/>
+                  <a:prstDash val="solid"/>
+                </a:ln>
+                <a:solidFill>
+                  <a:schemeClr val="accent4"/>
+                </a:solidFill>
+                <a:effectLst>
+                  <a:outerShdw blurRad="38100" dist="20320" dir="2700000" algn="tl" rotWithShape="0">
+                    <a:srgbClr val="000000">
+                      <a:alpha val="70000"/>
+                    </a:srgbClr>
+                  </a:outerShdw>
+                </a:effectLst>
+                <a:latin typeface="+mj-lt"/>
+                <a:ea typeface="+mj-ea"/>
+                <a:cs typeface="+mj-cs"/>
+              </a:defRPr>
             </a:lvl1pPr>
           </a:lstStyle>
           <a:p>
             <a:r>
-              <a:rPr lang="zh-CN" altLang="en-US" smtClean="0"/>
+              <a:rPr kumimoji="0" lang="zh-CN" altLang="en-US" smtClean="0"/>
               <a:t>单击此处编辑母版标题样式</a:t>
             </a:r>
-            <a:endParaRPr lang="zh-CN" altLang="en-US"/>
+            <a:endParaRPr kumimoji="0" lang="en-US"/>
           </a:p>
         </p:txBody>
       </p:sp>
@@ -2075,8 +2791,8 @@
         </p:nvSpPr>
         <p:spPr>
           <a:xfrm>
-            <a:off x="3575050" y="273050"/>
-            <a:ext cx="5111750" cy="5853113"/>
+            <a:off x="460382" y="321453"/>
+            <a:ext cx="5111750" cy="3643339"/>
           </a:xfrm>
         </p:spPr>
         <p:txBody>
@@ -2111,40 +2827,40 @@
             </a:lvl9pPr>
           </a:lstStyle>
           <a:p>
-            <a:pPr lvl="0"/>
+            <a:pPr lvl="0" eaLnBrk="1" latinLnBrk="0" hangingPunct="1"/>
             <a:r>
               <a:rPr lang="zh-CN" altLang="en-US" smtClean="0"/>
               <a:t>单击此处编辑母版文本样式</a:t>
             </a:r>
           </a:p>
           <a:p>
-            <a:pPr lvl="1"/>
+            <a:pPr lvl="1" eaLnBrk="1" latinLnBrk="0" hangingPunct="1"/>
             <a:r>
               <a:rPr lang="zh-CN" altLang="en-US" smtClean="0"/>
               <a:t>第二级</a:t>
             </a:r>
           </a:p>
           <a:p>
-            <a:pPr lvl="2"/>
+            <a:pPr lvl="2" eaLnBrk="1" latinLnBrk="0" hangingPunct="1"/>
             <a:r>
               <a:rPr lang="zh-CN" altLang="en-US" smtClean="0"/>
               <a:t>第三级</a:t>
             </a:r>
           </a:p>
           <a:p>
-            <a:pPr lvl="3"/>
+            <a:pPr lvl="3" eaLnBrk="1" latinLnBrk="0" hangingPunct="1"/>
             <a:r>
               <a:rPr lang="zh-CN" altLang="en-US" smtClean="0"/>
               <a:t>第四级</a:t>
             </a:r>
           </a:p>
           <a:p>
-            <a:pPr lvl="4"/>
+            <a:pPr lvl="4" eaLnBrk="1" latinLnBrk="0" hangingPunct="1"/>
             <a:r>
               <a:rPr lang="zh-CN" altLang="en-US" smtClean="0"/>
               <a:t>第五级</a:t>
             </a:r>
-            <a:endParaRPr lang="zh-CN" altLang="en-US"/>
+            <a:endParaRPr kumimoji="0" lang="en-US"/>
           </a:p>
         </p:txBody>
       </p:sp>
@@ -2160,8 +2876,8 @@
         </p:nvSpPr>
         <p:spPr>
           <a:xfrm>
-            <a:off x="457200" y="1435100"/>
-            <a:ext cx="3008313" cy="4691063"/>
+            <a:off x="5679087" y="1017973"/>
+            <a:ext cx="3008313" cy="2946818"/>
           </a:xfrm>
         </p:spPr>
         <p:txBody>
@@ -2205,12 +2921,41 @@
             </a:lvl9pPr>
           </a:lstStyle>
           <a:p>
-            <a:pPr lvl="0"/>
+            <a:pPr lvl="0" eaLnBrk="1" latinLnBrk="0" hangingPunct="1"/>
             <a:r>
               <a:rPr lang="zh-CN" altLang="en-US" smtClean="0"/>
               <a:t>单击此处编辑母版文本样式</a:t>
             </a:r>
           </a:p>
+          <a:p>
+            <a:pPr lvl="1" eaLnBrk="1" latinLnBrk="0" hangingPunct="1"/>
+            <a:r>
+              <a:rPr lang="zh-CN" altLang="en-US" smtClean="0"/>
+              <a:t>第二级</a:t>
+            </a:r>
+          </a:p>
+          <a:p>
+            <a:pPr lvl="2" eaLnBrk="1" latinLnBrk="0" hangingPunct="1"/>
+            <a:r>
+              <a:rPr lang="zh-CN" altLang="en-US" smtClean="0"/>
+              <a:t>第三级</a:t>
+            </a:r>
+          </a:p>
+          <a:p>
+            <a:pPr lvl="3" eaLnBrk="1" latinLnBrk="0" hangingPunct="1"/>
+            <a:r>
+              <a:rPr lang="zh-CN" altLang="en-US" smtClean="0"/>
+              <a:t>第四级</a:t>
+            </a:r>
+          </a:p>
+          <a:p>
+            <a:pPr lvl="4" eaLnBrk="1" latinLnBrk="0" hangingPunct="1"/>
+            <a:r>
+              <a:rPr lang="zh-CN" altLang="en-US" smtClean="0"/>
+              <a:t>第五级</a:t>
+            </a:r>
+            <a:endParaRPr kumimoji="0" lang="en-US"/>
+          </a:p>
         </p:txBody>
       </p:sp>
       <p:sp>
@@ -2230,7 +2975,7 @@
           <a:p>
             <a:fld id="{530820CF-B880-4189-942D-D702A7CBA730}" type="datetimeFigureOut">
               <a:rPr lang="zh-CN" altLang="en-US" smtClean="0"/>
-              <a:t>2012/10/30</a:t>
+              <a:t>2017/10/19</a:t>
             </a:fld>
             <a:endParaRPr lang="zh-CN" altLang="en-US"/>
           </a:p>
@@ -2278,6 +3023,39 @@
           </a:p>
         </p:txBody>
       </p:sp>
+      <p:pic>
+        <p:nvPicPr>
+          <p:cNvPr id="9" name="图片 8"/>
+          <p:cNvPicPr>
+            <a:picLocks noChangeAspect="1"/>
+          </p:cNvPicPr>
+          <p:nvPr/>
+        </p:nvPicPr>
+        <p:blipFill>
+          <a:blip r:embed="rId3">
+            <a:duotone>
+              <a:schemeClr val="bg2"/>
+              <a:srgbClr val="FFF1C1"/>
+            </a:duotone>
+          </a:blip>
+          <a:stretch>
+            <a:fillRect/>
+          </a:stretch>
+        </p:blipFill>
+        <p:spPr>
+          <a:xfrm>
+            <a:off x="8135908" y="0"/>
+            <a:ext cx="1008093" cy="1071552"/>
+          </a:xfrm>
+          <a:prstGeom prst="rect">
+            <a:avLst/>
+          </a:prstGeom>
+          <a:noFill/>
+          <a:ln>
+            <a:noFill/>
+          </a:ln>
+        </p:spPr>
+      </p:pic>
     </p:spTree>
   </p:cSld>
   <p:clrMapOvr>
@@ -2305,33 +3083,103 @@
       </p:grpSpPr>
       <p:sp>
         <p:nvSpPr>
-          <p:cNvPr id="2" name="标题 1"/>
-          <p:cNvSpPr>
-            <a:spLocks noGrp="1"/>
-          </p:cNvSpPr>
-          <p:nvPr>
-            <p:ph type="title"/>
-          </p:nvPr>
+          <p:cNvPr id="8" name="矩形 7"/>
+          <p:cNvSpPr/>
+          <p:nvPr/>
         </p:nvSpPr>
         <p:spPr>
           <a:xfrm>
-            <a:off x="1792288" y="4800600"/>
-            <a:ext cx="5486400" cy="566738"/>
+            <a:off x="0" y="0"/>
+            <a:ext cx="669600" cy="5143500"/>
+          </a:xfrm>
+          <a:prstGeom prst="rect">
+            <a:avLst/>
+          </a:prstGeom>
+          <a:blipFill>
+            <a:blip r:embed="rId2">
+              <a:alphaModFix amt="40000"/>
+            </a:blip>
+            <a:tile tx="0" ty="0" sx="50000" sy="50000" flip="x" algn="tl"/>
+          </a:blipFill>
+          <a:ln w="25400" cap="rnd" cmpd="sng" algn="ctr">
+            <a:noFill/>
+            <a:prstDash val="solid"/>
+          </a:ln>
+        </p:spPr>
+        <p:style>
+          <a:lnRef idx="2">
+            <a:schemeClr val="accent1"/>
+          </a:lnRef>
+          <a:fillRef idx="1">
+            <a:schemeClr val="accent1"/>
+          </a:fillRef>
+          <a:effectRef idx="0">
+            <a:schemeClr val="accent1"/>
+          </a:effectRef>
+          <a:fontRef idx="minor">
+            <a:schemeClr val="lt1"/>
+          </a:fontRef>
+        </p:style>
+        <p:txBody>
+          <a:bodyPr rtlCol="0" anchor="ctr"/>
+          <a:lstStyle/>
+          <a:p>
+            <a:pPr algn="ctr" eaLnBrk="1" latinLnBrk="0" hangingPunct="1"/>
+            <a:endParaRPr kumimoji="0" lang="zh-CN" altLang="en-US"/>
+          </a:p>
+        </p:txBody>
+      </p:sp>
+      <p:sp>
+        <p:nvSpPr>
+          <p:cNvPr id="2" name="标题 1"/>
+          <p:cNvSpPr>
+            <a:spLocks noGrp="1"/>
+          </p:cNvSpPr>
+          <p:nvPr>
+            <p:ph type="title"/>
+          </p:nvPr>
+        </p:nvSpPr>
+        <p:spPr>
+          <a:xfrm>
+            <a:off x="695298" y="160718"/>
+            <a:ext cx="7448602" cy="585789"/>
           </a:xfrm>
         </p:spPr>
         <p:txBody>
-          <a:bodyPr anchor="b"/>
+          <a:bodyPr anchor="ctr"/>
           <a:lstStyle>
-            <a:lvl1pPr algn="l">
-              <a:defRPr sz="2000" b="1"/>
+            <a:lvl1pPr algn="ctr" rtl="0">
+              <a:spcBef>
+                <a:spcPct val="0"/>
+              </a:spcBef>
+              <a:buNone/>
+              <a:defRPr sz="3600" b="0" kern="1200" spc="50">
+                <a:ln w="12700">
+                  <a:noFill/>
+                  <a:prstDash val="solid"/>
+                </a:ln>
+                <a:solidFill>
+                  <a:schemeClr val="accent4"/>
+                </a:solidFill>
+                <a:effectLst>
+                  <a:outerShdw blurRad="38100" dist="20320" dir="2700000" algn="tl" rotWithShape="0">
+                    <a:srgbClr val="000000">
+                      <a:alpha val="70000"/>
+                    </a:srgbClr>
+                  </a:outerShdw>
+                </a:effectLst>
+                <a:latin typeface="+mj-lt"/>
+                <a:ea typeface="+mj-ea"/>
+                <a:cs typeface="+mj-cs"/>
+              </a:defRPr>
             </a:lvl1pPr>
           </a:lstStyle>
           <a:p>
             <a:r>
-              <a:rPr lang="zh-CN" altLang="en-US" smtClean="0"/>
+              <a:rPr kumimoji="0" lang="zh-CN" altLang="en-US" smtClean="0"/>
               <a:t>单击此处编辑母版标题样式</a:t>
             </a:r>
-            <a:endParaRPr lang="zh-CN" altLang="en-US"/>
+            <a:endParaRPr kumimoji="0" lang="en-US"/>
           </a:p>
         </p:txBody>
       </p:sp>
@@ -2347,10 +3195,30 @@
         </p:nvSpPr>
         <p:spPr>
           <a:xfrm>
-            <a:off x="1792288" y="612775"/>
-            <a:ext cx="5486400" cy="4114800"/>
+            <a:off x="681015" y="750081"/>
+            <a:ext cx="7452360" cy="3911231"/>
           </a:xfrm>
+          <a:prstGeom prst="snip2DiagRect">
+            <a:avLst>
+              <a:gd name="adj1" fmla="val 0"/>
+              <a:gd name="adj2" fmla="val 17946"/>
+            </a:avLst>
+          </a:prstGeom>
         </p:spPr>
+        <p:style>
+          <a:lnRef idx="2">
+            <a:schemeClr val="accent1"/>
+          </a:lnRef>
+          <a:fillRef idx="1">
+            <a:schemeClr val="lt1"/>
+          </a:fillRef>
+          <a:effectRef idx="0">
+            <a:schemeClr val="accent1"/>
+          </a:effectRef>
+          <a:fontRef idx="minor">
+            <a:schemeClr val="dk1"/>
+          </a:fontRef>
+        </p:style>
         <p:txBody>
           <a:bodyPr/>
           <a:lstStyle>
@@ -2392,7 +3260,11 @@
             </a:lvl9pPr>
           </a:lstStyle>
           <a:p>
-            <a:endParaRPr lang="zh-CN" altLang="en-US"/>
+            <a:r>
+              <a:rPr kumimoji="0" lang="zh-CN" altLang="en-US" smtClean="0"/>
+              <a:t>单击图标添加图片</a:t>
+            </a:r>
+            <a:endParaRPr kumimoji="0" lang="en-US"/>
           </a:p>
         </p:txBody>
       </p:sp>
@@ -2408,30 +3280,30 @@
         </p:nvSpPr>
         <p:spPr>
           <a:xfrm>
-            <a:off x="1792288" y="5367338"/>
-            <a:ext cx="5486400" cy="804862"/>
+            <a:off x="4953001" y="4682725"/>
+            <a:ext cx="3180375" cy="460775"/>
           </a:xfrm>
         </p:spPr>
         <p:txBody>
-          <a:bodyPr/>
+          <a:bodyPr anchor="t"/>
           <a:lstStyle>
-            <a:lvl1pPr marL="0" indent="0">
+            <a:lvl1pPr marL="0" indent="0" algn="r">
               <a:buNone/>
               <a:defRPr sz="1400"/>
             </a:lvl1pPr>
-            <a:lvl2pPr marL="457200" indent="0">
+            <a:lvl2pPr marL="457200" indent="0" algn="r">
               <a:buNone/>
               <a:defRPr sz="1200"/>
             </a:lvl2pPr>
-            <a:lvl3pPr marL="914400" indent="0">
+            <a:lvl3pPr marL="914400" indent="0" algn="r">
               <a:buNone/>
               <a:defRPr sz="1000"/>
             </a:lvl3pPr>
-            <a:lvl4pPr marL="1371600" indent="0">
+            <a:lvl4pPr marL="1371600" indent="0" algn="r">
               <a:buNone/>
               <a:defRPr sz="900"/>
             </a:lvl4pPr>
-            <a:lvl5pPr marL="1828800" indent="0">
+            <a:lvl5pPr marL="1828800" indent="0" algn="r">
               <a:buNone/>
               <a:defRPr sz="900"/>
             </a:lvl5pPr>
@@ -2453,9 +3325,9 @@
             </a:lvl9pPr>
           </a:lstStyle>
           <a:p>
-            <a:pPr lvl="0"/>
-            <a:r>
-              <a:rPr lang="zh-CN" altLang="en-US" smtClean="0"/>
+            <a:pPr lvl="0" eaLnBrk="1" latinLnBrk="0" hangingPunct="1"/>
+            <a:r>
+              <a:rPr kumimoji="0" lang="zh-CN" altLang="en-US" smtClean="0"/>
               <a:t>单击此处编辑母版文本样式</a:t>
             </a:r>
           </a:p>
@@ -2471,14 +3343,19 @@
             <p:ph type="dt" sz="half" idx="10"/>
           </p:nvPr>
         </p:nvSpPr>
-        <p:spPr/>
+        <p:spPr>
+          <a:xfrm>
+            <a:off x="609600" y="4869659"/>
+            <a:ext cx="1676384" cy="273844"/>
+          </a:xfrm>
+        </p:spPr>
         <p:txBody>
           <a:bodyPr/>
           <a:lstStyle/>
           <a:p>
             <a:fld id="{530820CF-B880-4189-942D-D702A7CBA730}" type="datetimeFigureOut">
               <a:rPr lang="zh-CN" altLang="en-US" smtClean="0"/>
-              <a:t>2012/10/30</a:t>
+              <a:t>2017/10/19</a:t>
             </a:fld>
             <a:endParaRPr lang="zh-CN" altLang="en-US"/>
           </a:p>
@@ -2494,7 +3371,12 @@
             <p:ph type="ftr" sz="quarter" idx="11"/>
           </p:nvPr>
         </p:nvSpPr>
-        <p:spPr/>
+        <p:spPr>
+          <a:xfrm>
+            <a:off x="2285984" y="4869657"/>
+            <a:ext cx="2643206" cy="273844"/>
+          </a:xfrm>
+        </p:spPr>
         <p:txBody>
           <a:bodyPr/>
           <a:lstStyle/>
@@ -2513,7 +3395,30 @@
             <p:ph type="sldNum" sz="quarter" idx="12"/>
           </p:nvPr>
         </p:nvSpPr>
-        <p:spPr/>
+        <p:spPr>
+          <a:xfrm>
+            <a:off x="683073" y="4010254"/>
+            <a:ext cx="871200" cy="653400"/>
+          </a:xfrm>
+          <a:prstGeom prst="rtTriangle">
+            <a:avLst/>
+          </a:prstGeom>
+          <a:noFill/>
+        </p:spPr>
+        <p:style>
+          <a:lnRef idx="2">
+            <a:schemeClr val="accent1"/>
+          </a:lnRef>
+          <a:fillRef idx="1">
+            <a:schemeClr val="lt1"/>
+          </a:fillRef>
+          <a:effectRef idx="0">
+            <a:schemeClr val="accent1"/>
+          </a:effectRef>
+          <a:fontRef idx="minor">
+            <a:schemeClr val="dk1"/>
+          </a:fontRef>
+        </p:style>
         <p:txBody>
           <a:bodyPr/>
           <a:lstStyle/>
@@ -2526,6 +3431,39 @@
           </a:p>
         </p:txBody>
       </p:sp>
+      <p:pic>
+        <p:nvPicPr>
+          <p:cNvPr id="9" name="图片 8"/>
+          <p:cNvPicPr>
+            <a:picLocks noChangeAspect="1"/>
+          </p:cNvPicPr>
+          <p:nvPr/>
+        </p:nvPicPr>
+        <p:blipFill>
+          <a:blip r:embed="rId3">
+            <a:duotone>
+              <a:schemeClr val="bg2"/>
+              <a:srgbClr val="FFF1C1"/>
+            </a:duotone>
+          </a:blip>
+          <a:stretch>
+            <a:fillRect/>
+          </a:stretch>
+        </p:blipFill>
+        <p:spPr>
+          <a:xfrm>
+            <a:off x="8135908" y="0"/>
+            <a:ext cx="1008093" cy="1071552"/>
+          </a:xfrm>
+          <a:prstGeom prst="rect">
+            <a:avLst/>
+          </a:prstGeom>
+          <a:noFill/>
+          <a:ln>
+            <a:noFill/>
+          </a:ln>
+        </p:spPr>
+      </p:pic>
     </p:spTree>
   </p:cSld>
   <p:clrMapOvr>
@@ -2539,7 +3477,7 @@
   <p:cSld>
     <p:bg>
       <p:bgRef idx="1001">
-        <a:schemeClr val="bg1"/>
+        <a:schemeClr val="bg2"/>
       </p:bgRef>
     </p:bg>
     <p:spTree>
@@ -2568,24 +3506,31 @@
         </p:nvSpPr>
         <p:spPr>
           <a:xfrm>
-            <a:off x="457200" y="274638"/>
-            <a:ext cx="8229600" cy="1143000"/>
+            <a:off x="457200" y="205979"/>
+            <a:ext cx="7776000" cy="857250"/>
           </a:xfrm>
           <a:prstGeom prst="rect">
             <a:avLst/>
           </a:prstGeom>
         </p:spPr>
         <p:txBody>
-          <a:bodyPr vert="horz" lIns="91440" tIns="45720" rIns="91440" bIns="45720" rtlCol="0" anchor="ctr">
+          <a:bodyPr vert="horz" rtlCol="0" anchor="ctr">
             <a:normAutofit/>
+            <a:scene3d>
+              <a:camera prst="orthographicFront"/>
+              <a:lightRig rig="soft" dir="t"/>
+            </a:scene3d>
+            <a:sp3d prstMaterial="matte">
+              <a:bevelT w="12700" h="12700"/>
+            </a:sp3d>
           </a:bodyPr>
           <a:lstStyle/>
           <a:p>
             <a:r>
-              <a:rPr lang="zh-CN" altLang="en-US" smtClean="0"/>
+              <a:rPr kumimoji="0" lang="zh-CN" altLang="en-US" smtClean="0"/>
               <a:t>单击此处编辑母版标题样式</a:t>
             </a:r>
-            <a:endParaRPr lang="zh-CN" altLang="en-US"/>
+            <a:endParaRPr kumimoji="0" lang="en-US"/>
           </a:p>
         </p:txBody>
       </p:sp>
@@ -2601,53 +3546,53 @@
         </p:nvSpPr>
         <p:spPr>
           <a:xfrm>
-            <a:off x="457200" y="1600200"/>
-            <a:ext cx="8229600" cy="4525963"/>
+            <a:off x="457200" y="1200151"/>
+            <a:ext cx="8229600" cy="3394472"/>
           </a:xfrm>
           <a:prstGeom prst="rect">
             <a:avLst/>
           </a:prstGeom>
         </p:spPr>
         <p:txBody>
-          <a:bodyPr vert="horz" lIns="91440" tIns="45720" rIns="91440" bIns="45720" rtlCol="0">
+          <a:bodyPr vert="horz" rtlCol="0">
             <a:normAutofit/>
           </a:bodyPr>
           <a:lstStyle/>
           <a:p>
-            <a:pPr lvl="0"/>
-            <a:r>
-              <a:rPr lang="zh-CN" altLang="en-US" smtClean="0"/>
+            <a:pPr lvl="0" eaLnBrk="1" latinLnBrk="0" hangingPunct="1"/>
+            <a:r>
+              <a:rPr kumimoji="0" lang="zh-CN" altLang="en-US" smtClean="0"/>
               <a:t>单击此处编辑母版文本样式</a:t>
             </a:r>
           </a:p>
           <a:p>
-            <a:pPr lvl="1"/>
-            <a:r>
-              <a:rPr lang="zh-CN" altLang="en-US" smtClean="0"/>
+            <a:pPr lvl="1" eaLnBrk="1" latinLnBrk="0" hangingPunct="1"/>
+            <a:r>
+              <a:rPr kumimoji="0" lang="zh-CN" altLang="en-US" smtClean="0"/>
               <a:t>第二级</a:t>
             </a:r>
           </a:p>
           <a:p>
-            <a:pPr lvl="2"/>
-            <a:r>
-              <a:rPr lang="zh-CN" altLang="en-US" smtClean="0"/>
+            <a:pPr lvl="2" eaLnBrk="1" latinLnBrk="0" hangingPunct="1"/>
+            <a:r>
+              <a:rPr kumimoji="0" lang="zh-CN" altLang="en-US" smtClean="0"/>
               <a:t>第三级</a:t>
             </a:r>
           </a:p>
           <a:p>
-            <a:pPr lvl="3"/>
-            <a:r>
-              <a:rPr lang="zh-CN" altLang="en-US" smtClean="0"/>
+            <a:pPr lvl="3" eaLnBrk="1" latinLnBrk="0" hangingPunct="1"/>
+            <a:r>
+              <a:rPr kumimoji="0" lang="zh-CN" altLang="en-US" smtClean="0"/>
               <a:t>第四级</a:t>
             </a:r>
           </a:p>
           <a:p>
-            <a:pPr lvl="4"/>
-            <a:r>
-              <a:rPr lang="zh-CN" altLang="en-US" smtClean="0"/>
+            <a:pPr lvl="4" eaLnBrk="1" latinLnBrk="0" hangingPunct="1"/>
+            <a:r>
+              <a:rPr kumimoji="0" lang="zh-CN" altLang="en-US" smtClean="0"/>
               <a:t>第五级</a:t>
             </a:r>
-            <a:endParaRPr lang="zh-CN" altLang="en-US"/>
+            <a:endParaRPr kumimoji="0" lang="en-US"/>
           </a:p>
         </p:txBody>
       </p:sp>
@@ -2663,22 +3608,20 @@
         </p:nvSpPr>
         <p:spPr>
           <a:xfrm>
-            <a:off x="457200" y="6356350"/>
-            <a:ext cx="2133600" cy="365125"/>
+            <a:off x="457200" y="4767263"/>
+            <a:ext cx="2133600" cy="273844"/>
           </a:xfrm>
           <a:prstGeom prst="rect">
             <a:avLst/>
           </a:prstGeom>
         </p:spPr>
         <p:txBody>
-          <a:bodyPr vert="horz" lIns="91440" tIns="45720" rIns="91440" bIns="45720" rtlCol="0" anchor="ctr"/>
+          <a:bodyPr vert="horz" lIns="274320" rtlCol="0" anchor="ctr"/>
           <a:lstStyle>
-            <a:lvl1pPr algn="l">
-              <a:defRPr sz="1200">
+            <a:lvl1pPr algn="l" eaLnBrk="1" latinLnBrk="0" hangingPunct="1">
+              <a:defRPr kumimoji="0" sz="1200">
                 <a:solidFill>
-                  <a:schemeClr val="tx1">
-                    <a:tint val="75000"/>
-                  </a:schemeClr>
+                  <a:schemeClr val="tx1"/>
                 </a:solidFill>
               </a:defRPr>
             </a:lvl1pPr>
@@ -2686,7 +3629,7 @@
           <a:p>
             <a:fld id="{530820CF-B880-4189-942D-D702A7CBA730}" type="datetimeFigureOut">
               <a:rPr lang="zh-CN" altLang="en-US" smtClean="0"/>
-              <a:t>2012/10/30</a:t>
+              <a:t>2017/10/19</a:t>
             </a:fld>
             <a:endParaRPr lang="zh-CN" altLang="en-US"/>
           </a:p>
@@ -2704,22 +3647,20 @@
         </p:nvSpPr>
         <p:spPr>
           <a:xfrm>
-            <a:off x="3124200" y="6356350"/>
-            <a:ext cx="2895600" cy="365125"/>
+            <a:off x="3124200" y="4767263"/>
+            <a:ext cx="2895600" cy="273844"/>
           </a:xfrm>
           <a:prstGeom prst="rect">
             <a:avLst/>
           </a:prstGeom>
         </p:spPr>
         <p:txBody>
-          <a:bodyPr vert="horz" lIns="91440" tIns="45720" rIns="91440" bIns="45720" rtlCol="0" anchor="ctr"/>
+          <a:bodyPr vert="horz" rtlCol="0" anchor="ctr"/>
           <a:lstStyle>
-            <a:lvl1pPr algn="ctr">
-              <a:defRPr sz="1200">
+            <a:lvl1pPr algn="ctr" eaLnBrk="1" latinLnBrk="0" hangingPunct="1">
+              <a:defRPr kumimoji="0" sz="1200">
                 <a:solidFill>
-                  <a:schemeClr val="tx1">
-                    <a:tint val="75000"/>
-                  </a:schemeClr>
+                  <a:schemeClr val="tx1"/>
                 </a:solidFill>
               </a:defRPr>
             </a:lvl1pPr>
@@ -2741,22 +3682,20 @@
         </p:nvSpPr>
         <p:spPr>
           <a:xfrm>
-            <a:off x="6553200" y="6356350"/>
-            <a:ext cx="2133600" cy="365125"/>
+            <a:off x="6553200" y="4767263"/>
+            <a:ext cx="2133600" cy="273844"/>
           </a:xfrm>
           <a:prstGeom prst="rect">
             <a:avLst/>
           </a:prstGeom>
         </p:spPr>
         <p:txBody>
-          <a:bodyPr vert="horz" lIns="91440" tIns="45720" rIns="91440" bIns="45720" rtlCol="0" anchor="ctr"/>
+          <a:bodyPr vert="horz" lIns="45720" tIns="45720" rIns="45720" rtlCol="0" anchor="ctr"/>
           <a:lstStyle>
-            <a:lvl1pPr algn="r">
-              <a:defRPr sz="1200">
+            <a:lvl1pPr algn="r" eaLnBrk="1" latinLnBrk="0" hangingPunct="1">
+              <a:defRPr kumimoji="0" sz="1200">
                 <a:solidFill>
-                  <a:schemeClr val="tx1">
-                    <a:tint val="75000"/>
-                  </a:schemeClr>
+                  <a:schemeClr val="tx1"/>
                 </a:solidFill>
               </a:defRPr>
             </a:lvl1pPr>
@@ -2772,45 +3711,116 @@
       </p:sp>
     </p:spTree>
   </p:cSld>
-  <p:clrMap bg1="lt1" tx1="dk1" bg2="lt2" tx2="dk2" accent1="accent1" accent2="accent2" accent3="accent3" accent4="accent4" accent5="accent5" accent6="accent6" hlink="hlink" folHlink="folHlink"/>
+  <p:clrMap bg1="dk1" tx1="lt1" bg2="dk2" tx2="lt2" accent1="accent1" accent2="accent2" accent3="accent3" accent4="accent4" accent5="accent5" accent6="accent6" hlink="hlink" folHlink="folHlink"/>
   <p:sldLayoutIdLst>
-    <p:sldLayoutId id="2147483649" r:id="rId1"/>
-    <p:sldLayoutId id="2147483650" r:id="rId2"/>
-    <p:sldLayoutId id="2147483651" r:id="rId3"/>
-    <p:sldLayoutId id="2147483652" r:id="rId4"/>
-    <p:sldLayoutId id="2147483653" r:id="rId5"/>
-    <p:sldLayoutId id="2147483654" r:id="rId6"/>
-    <p:sldLayoutId id="2147483655" r:id="rId7"/>
-    <p:sldLayoutId id="2147483656" r:id="rId8"/>
-    <p:sldLayoutId id="2147483657" r:id="rId9"/>
-    <p:sldLayoutId id="2147483658" r:id="rId10"/>
-    <p:sldLayoutId id="2147483659" r:id="rId11"/>
+    <p:sldLayoutId id="2147483661" r:id="rId1"/>
+    <p:sldLayoutId id="2147483662" r:id="rId2"/>
+    <p:sldLayoutId id="2147483663" r:id="rId3"/>
+    <p:sldLayoutId id="2147483664" r:id="rId4"/>
+    <p:sldLayoutId id="2147483665" r:id="rId5"/>
+    <p:sldLayoutId id="2147483666" r:id="rId6"/>
+    <p:sldLayoutId id="2147483667" r:id="rId7"/>
+    <p:sldLayoutId id="2147483668" r:id="rId8"/>
+    <p:sldLayoutId id="2147483669" r:id="rId9"/>
+    <p:sldLayoutId id="2147483670" r:id="rId10"/>
+    <p:sldLayoutId id="2147483671" r:id="rId11"/>
   </p:sldLayoutIdLst>
   <p:txStyles>
     <p:titleStyle>
-      <a:lvl1pPr algn="ctr" defTabSz="914400" rtl="0" eaLnBrk="1" latinLnBrk="0" hangingPunct="1">
+      <a:lvl1pPr algn="l" rtl="0" eaLnBrk="1" latinLnBrk="0" hangingPunct="1">
         <a:spcBef>
           <a:spcPct val="0"/>
         </a:spcBef>
         <a:buNone/>
-        <a:defRPr sz="4400" kern="1200">
+        <a:defRPr kumimoji="0" lang="zh-CN" altLang="en-US" sz="4400" b="0" kern="1200" spc="50" dirty="0">
+          <a:ln w="12700">
+            <a:noFill/>
+            <a:prstDash val="solid"/>
+          </a:ln>
           <a:solidFill>
-            <a:schemeClr val="tx1"/>
+            <a:schemeClr val="accent4"/>
           </a:solidFill>
+          <a:effectLst>
+            <a:outerShdw blurRad="38100" dist="20320" dir="2700000" algn="tl" rotWithShape="0">
+              <a:srgbClr val="000000">
+                <a:alpha val="70000"/>
+              </a:srgbClr>
+            </a:outerShdw>
+          </a:effectLst>
           <a:latin typeface="+mj-lt"/>
           <a:ea typeface="+mj-ea"/>
           <a:cs typeface="+mj-cs"/>
         </a:defRPr>
       </a:lvl1pPr>
+      <a:lvl2pPr eaLnBrk="1" latinLnBrk="0" hangingPunct="1">
+        <a:defRPr kumimoji="0">
+          <a:solidFill>
+            <a:schemeClr val="tx2"/>
+          </a:solidFill>
+        </a:defRPr>
+      </a:lvl2pPr>
+      <a:lvl3pPr eaLnBrk="1" latinLnBrk="0" hangingPunct="1">
+        <a:defRPr kumimoji="0">
+          <a:solidFill>
+            <a:schemeClr val="tx2"/>
+          </a:solidFill>
+        </a:defRPr>
+      </a:lvl3pPr>
+      <a:lvl4pPr eaLnBrk="1" latinLnBrk="0" hangingPunct="1">
+        <a:defRPr kumimoji="0">
+          <a:solidFill>
+            <a:schemeClr val="tx2"/>
+          </a:solidFill>
+        </a:defRPr>
+      </a:lvl4pPr>
+      <a:lvl5pPr eaLnBrk="1" latinLnBrk="0" hangingPunct="1">
+        <a:defRPr kumimoji="0">
+          <a:solidFill>
+            <a:schemeClr val="tx2"/>
+          </a:solidFill>
+        </a:defRPr>
+      </a:lvl5pPr>
+      <a:lvl6pPr eaLnBrk="1" latinLnBrk="0" hangingPunct="1">
+        <a:defRPr kumimoji="0">
+          <a:solidFill>
+            <a:schemeClr val="tx2"/>
+          </a:solidFill>
+        </a:defRPr>
+      </a:lvl6pPr>
+      <a:lvl7pPr eaLnBrk="1" latinLnBrk="0" hangingPunct="1">
+        <a:defRPr kumimoji="0">
+          <a:solidFill>
+            <a:schemeClr val="tx2"/>
+          </a:solidFill>
+        </a:defRPr>
+      </a:lvl7pPr>
+      <a:lvl8pPr eaLnBrk="1" latinLnBrk="0" hangingPunct="1">
+        <a:defRPr kumimoji="0">
+          <a:solidFill>
+            <a:schemeClr val="tx2"/>
+          </a:solidFill>
+        </a:defRPr>
+      </a:lvl8pPr>
+      <a:lvl9pPr eaLnBrk="1" latinLnBrk="0" hangingPunct="1">
+        <a:defRPr kumimoji="0">
+          <a:solidFill>
+            <a:schemeClr val="tx2"/>
+          </a:solidFill>
+        </a:defRPr>
+      </a:lvl9pPr>
     </p:titleStyle>
     <p:bodyStyle>
-      <a:lvl1pPr marL="342900" indent="-342900" algn="l" defTabSz="914400" rtl="0" eaLnBrk="1" latinLnBrk="0" hangingPunct="1">
+      <a:lvl1pPr marL="342900" indent="-342900" algn="l" rtl="0" eaLnBrk="1" latinLnBrk="0" hangingPunct="1">
         <a:spcBef>
           <a:spcPct val="20000"/>
         </a:spcBef>
-        <a:buFont typeface="Arial" pitchFamily="34" charset="0"/>
-        <a:buChar char="•"/>
-        <a:defRPr sz="3200" kern="1200">
+        <a:buClr>
+          <a:schemeClr val="tx2"/>
+        </a:buClr>
+        <a:buSzPct val="60000"/>
+        <a:buFont typeface="Wingdings 2"/>
+        <a:buChar char=""/>
+        <a:defRPr kumimoji="0" sz="3200" kern="1200">
           <a:solidFill>
             <a:schemeClr val="tx1"/>
           </a:solidFill>
@@ -2819,13 +3829,17 @@
           <a:cs typeface="+mn-cs"/>
         </a:defRPr>
       </a:lvl1pPr>
-      <a:lvl2pPr marL="742950" indent="-285750" algn="l" defTabSz="914400" rtl="0" eaLnBrk="1" latinLnBrk="0" hangingPunct="1">
+      <a:lvl2pPr marL="742950" indent="-285750" algn="l" rtl="0" eaLnBrk="1" latinLnBrk="0" hangingPunct="1">
         <a:spcBef>
           <a:spcPct val="20000"/>
         </a:spcBef>
-        <a:buFont typeface="Arial" pitchFamily="34" charset="0"/>
-        <a:buChar char="–"/>
-        <a:defRPr sz="2800" kern="1200">
+        <a:buClr>
+          <a:schemeClr val="tx2"/>
+        </a:buClr>
+        <a:buSzPct val="60000"/>
+        <a:buFont typeface="Wingdings 2"/>
+        <a:buChar char=""/>
+        <a:defRPr kumimoji="0" sz="2800" kern="1200">
           <a:solidFill>
             <a:schemeClr val="tx1"/>
           </a:solidFill>
@@ -2834,13 +3848,17 @@
           <a:cs typeface="+mn-cs"/>
         </a:defRPr>
       </a:lvl2pPr>
-      <a:lvl3pPr marL="1143000" indent="-228600" algn="l" defTabSz="914400" rtl="0" eaLnBrk="1" latinLnBrk="0" hangingPunct="1">
+      <a:lvl3pPr marL="1143000" indent="-228600" algn="l" rtl="0" eaLnBrk="1" latinLnBrk="0" hangingPunct="1">
         <a:spcBef>
           <a:spcPct val="20000"/>
         </a:spcBef>
-        <a:buFont typeface="Arial" pitchFamily="34" charset="0"/>
-        <a:buChar char="•"/>
-        <a:defRPr sz="2400" kern="1200">
+        <a:buClr>
+          <a:schemeClr val="tx2"/>
+        </a:buClr>
+        <a:buSzPct val="60000"/>
+        <a:buFont typeface="Wingdings 2"/>
+        <a:buChar char=""/>
+        <a:defRPr kumimoji="0" sz="2400" kern="1200">
           <a:solidFill>
             <a:schemeClr val="tx1"/>
           </a:solidFill>
@@ -2849,13 +3867,17 @@
           <a:cs typeface="+mn-cs"/>
         </a:defRPr>
       </a:lvl3pPr>
-      <a:lvl4pPr marL="1600200" indent="-228600" algn="l" defTabSz="914400" rtl="0" eaLnBrk="1" latinLnBrk="0" hangingPunct="1">
+      <a:lvl4pPr marL="1600200" indent="-228600" algn="l" rtl="0" eaLnBrk="1" latinLnBrk="0" hangingPunct="1">
         <a:spcBef>
           <a:spcPct val="20000"/>
         </a:spcBef>
-        <a:buFont typeface="Arial" pitchFamily="34" charset="0"/>
-        <a:buChar char="–"/>
-        <a:defRPr sz="2000" kern="1200">
+        <a:buClr>
+          <a:schemeClr val="tx2"/>
+        </a:buClr>
+        <a:buSzPct val="60000"/>
+        <a:buFont typeface="Wingdings 2"/>
+        <a:buChar char=""/>
+        <a:defRPr kumimoji="0" sz="2000" kern="1200">
           <a:solidFill>
             <a:schemeClr val="tx1"/>
           </a:solidFill>
@@ -2864,13 +3886,17 @@
           <a:cs typeface="+mn-cs"/>
         </a:defRPr>
       </a:lvl4pPr>
-      <a:lvl5pPr marL="2057400" indent="-228600" algn="l" defTabSz="914400" rtl="0" eaLnBrk="1" latinLnBrk="0" hangingPunct="1">
+      <a:lvl5pPr marL="2057400" indent="-228600" algn="l" rtl="0" eaLnBrk="1" latinLnBrk="0" hangingPunct="1">
         <a:spcBef>
           <a:spcPct val="20000"/>
         </a:spcBef>
-        <a:buFont typeface="Arial" pitchFamily="34" charset="0"/>
-        <a:buChar char="»"/>
-        <a:defRPr sz="2000" kern="1200">
+        <a:buClr>
+          <a:schemeClr val="tx2"/>
+        </a:buClr>
+        <a:buSzPct val="60000"/>
+        <a:buFont typeface="Wingdings 2"/>
+        <a:buChar char=""/>
+        <a:defRPr kumimoji="0" sz="2000" kern="1200">
           <a:solidFill>
             <a:schemeClr val="tx1"/>
           </a:solidFill>
@@ -2879,13 +3905,13 @@
           <a:cs typeface="+mn-cs"/>
         </a:defRPr>
       </a:lvl5pPr>
-      <a:lvl6pPr marL="2514600" indent="-228600" algn="l" defTabSz="914400" rtl="0" eaLnBrk="1" latinLnBrk="0" hangingPunct="1">
+      <a:lvl6pPr marL="2514600" indent="-228600" algn="l" rtl="0" eaLnBrk="1" latinLnBrk="0" hangingPunct="1">
         <a:spcBef>
           <a:spcPct val="20000"/>
         </a:spcBef>
-        <a:buFont typeface="Arial" pitchFamily="34" charset="0"/>
+        <a:buFont typeface="Arial"/>
         <a:buChar char="•"/>
-        <a:defRPr sz="2000" kern="1200">
+        <a:defRPr kumimoji="0" sz="2000" kern="1200">
           <a:solidFill>
             <a:schemeClr val="tx1"/>
           </a:solidFill>
@@ -2894,13 +3920,13 @@
           <a:cs typeface="+mn-cs"/>
         </a:defRPr>
       </a:lvl6pPr>
-      <a:lvl7pPr marL="2971800" indent="-228600" algn="l" defTabSz="914400" rtl="0" eaLnBrk="1" latinLnBrk="0" hangingPunct="1">
+      <a:lvl7pPr marL="2971800" indent="-228600" algn="l" rtl="0" eaLnBrk="1" latinLnBrk="0" hangingPunct="1">
         <a:spcBef>
           <a:spcPct val="20000"/>
         </a:spcBef>
-        <a:buFont typeface="Arial" pitchFamily="34" charset="0"/>
+        <a:buFont typeface="Arial"/>
         <a:buChar char="•"/>
-        <a:defRPr sz="2000" kern="1200">
+        <a:defRPr kumimoji="0" sz="2000" kern="1200">
           <a:solidFill>
             <a:schemeClr val="tx1"/>
           </a:solidFill>
@@ -2909,13 +3935,13 @@
           <a:cs typeface="+mn-cs"/>
         </a:defRPr>
       </a:lvl7pPr>
-      <a:lvl8pPr marL="3429000" indent="-228600" algn="l" defTabSz="914400" rtl="0" eaLnBrk="1" latinLnBrk="0" hangingPunct="1">
+      <a:lvl8pPr marL="3429000" indent="-228600" algn="l" rtl="0" eaLnBrk="1" latinLnBrk="0" hangingPunct="1">
         <a:spcBef>
           <a:spcPct val="20000"/>
         </a:spcBef>
-        <a:buFont typeface="Arial" pitchFamily="34" charset="0"/>
+        <a:buFont typeface="Arial"/>
         <a:buChar char="•"/>
-        <a:defRPr sz="2000" kern="1200">
+        <a:defRPr kumimoji="0" sz="2000" kern="1200">
           <a:solidFill>
             <a:schemeClr val="tx1"/>
           </a:solidFill>
@@ -2924,13 +3950,13 @@
           <a:cs typeface="+mn-cs"/>
         </a:defRPr>
       </a:lvl8pPr>
-      <a:lvl9pPr marL="3886200" indent="-228600" algn="l" defTabSz="914400" rtl="0" eaLnBrk="1" latinLnBrk="0" hangingPunct="1">
+      <a:lvl9pPr marL="3886200" indent="-228600" algn="l" rtl="0" eaLnBrk="1" latinLnBrk="0" hangingPunct="1">
         <a:spcBef>
           <a:spcPct val="20000"/>
         </a:spcBef>
-        <a:buFont typeface="Arial" pitchFamily="34" charset="0"/>
+        <a:buFont typeface="Arial"/>
         <a:buChar char="•"/>
-        <a:defRPr sz="2000" kern="1200">
+        <a:defRPr kumimoji="0" sz="2000" kern="1200">
           <a:solidFill>
             <a:schemeClr val="tx1"/>
           </a:solidFill>
@@ -2941,11 +3967,8 @@
       </a:lvl9pPr>
     </p:bodyStyle>
     <p:otherStyle>
-      <a:defPPr>
-        <a:defRPr lang="zh-CN"/>
-      </a:defPPr>
-      <a:lvl1pPr marL="0" algn="l" defTabSz="914400" rtl="0" eaLnBrk="1" latinLnBrk="0" hangingPunct="1">
-        <a:defRPr sz="1800" kern="1200">
+      <a:lvl1pPr marL="0" algn="l" rtl="0" eaLnBrk="1" latinLnBrk="0" hangingPunct="1">
+        <a:defRPr kumimoji="0" kern="1200">
           <a:solidFill>
             <a:schemeClr val="tx1"/>
           </a:solidFill>
@@ -2954,8 +3977,8 @@
           <a:cs typeface="+mn-cs"/>
         </a:defRPr>
       </a:lvl1pPr>
-      <a:lvl2pPr marL="457200" algn="l" defTabSz="914400" rtl="0" eaLnBrk="1" latinLnBrk="0" hangingPunct="1">
-        <a:defRPr sz="1800" kern="1200">
+      <a:lvl2pPr marL="457200" algn="l" rtl="0" eaLnBrk="1" latinLnBrk="0" hangingPunct="1">
+        <a:defRPr kumimoji="0" kern="1200">
           <a:solidFill>
             <a:schemeClr val="tx1"/>
           </a:solidFill>
@@ -2964,8 +3987,8 @@
           <a:cs typeface="+mn-cs"/>
         </a:defRPr>
       </a:lvl2pPr>
-      <a:lvl3pPr marL="914400" algn="l" defTabSz="914400" rtl="0" eaLnBrk="1" latinLnBrk="0" hangingPunct="1">
-        <a:defRPr sz="1800" kern="1200">
+      <a:lvl3pPr marL="914400" algn="l" rtl="0" eaLnBrk="1" latinLnBrk="0" hangingPunct="1">
+        <a:defRPr kumimoji="0" kern="1200">
           <a:solidFill>
             <a:schemeClr val="tx1"/>
           </a:solidFill>
@@ -2974,8 +3997,8 @@
           <a:cs typeface="+mn-cs"/>
         </a:defRPr>
       </a:lvl3pPr>
-      <a:lvl4pPr marL="1371600" algn="l" defTabSz="914400" rtl="0" eaLnBrk="1" latinLnBrk="0" hangingPunct="1">
-        <a:defRPr sz="1800" kern="1200">
+      <a:lvl4pPr marL="1371600" algn="l" rtl="0" eaLnBrk="1" latinLnBrk="0" hangingPunct="1">
+        <a:defRPr kumimoji="0" kern="1200">
           <a:solidFill>
             <a:schemeClr val="tx1"/>
           </a:solidFill>
@@ -2984,8 +4007,8 @@
           <a:cs typeface="+mn-cs"/>
         </a:defRPr>
       </a:lvl4pPr>
-      <a:lvl5pPr marL="1828800" algn="l" defTabSz="914400" rtl="0" eaLnBrk="1" latinLnBrk="0" hangingPunct="1">
-        <a:defRPr sz="1800" kern="1200">
+      <a:lvl5pPr marL="1828800" algn="l" rtl="0" eaLnBrk="1" latinLnBrk="0" hangingPunct="1">
+        <a:defRPr kumimoji="0" kern="1200">
           <a:solidFill>
             <a:schemeClr val="tx1"/>
           </a:solidFill>
@@ -2994,8 +4017,8 @@
           <a:cs typeface="+mn-cs"/>
         </a:defRPr>
       </a:lvl5pPr>
-      <a:lvl6pPr marL="2286000" algn="l" defTabSz="914400" rtl="0" eaLnBrk="1" latinLnBrk="0" hangingPunct="1">
-        <a:defRPr sz="1800" kern="1200">
+      <a:lvl6pPr marL="2286000" algn="l" rtl="0" eaLnBrk="1" latinLnBrk="0" hangingPunct="1">
+        <a:defRPr kumimoji="0" kern="1200">
           <a:solidFill>
             <a:schemeClr val="tx1"/>
           </a:solidFill>
@@ -3004,8 +4027,8 @@
           <a:cs typeface="+mn-cs"/>
         </a:defRPr>
       </a:lvl6pPr>
-      <a:lvl7pPr marL="2743200" algn="l" defTabSz="914400" rtl="0" eaLnBrk="1" latinLnBrk="0" hangingPunct="1">
-        <a:defRPr sz="1800" kern="1200">
+      <a:lvl7pPr marL="2743200" algn="l" rtl="0" eaLnBrk="1" latinLnBrk="0" hangingPunct="1">
+        <a:defRPr kumimoji="0" kern="1200">
           <a:solidFill>
             <a:schemeClr val="tx1"/>
           </a:solidFill>
@@ -3014,8 +4037,8 @@
           <a:cs typeface="+mn-cs"/>
         </a:defRPr>
       </a:lvl7pPr>
-      <a:lvl8pPr marL="3200400" algn="l" defTabSz="914400" rtl="0" eaLnBrk="1" latinLnBrk="0" hangingPunct="1">
-        <a:defRPr sz="1800" kern="1200">
+      <a:lvl8pPr marL="3200400" algn="l" rtl="0" eaLnBrk="1" latinLnBrk="0" hangingPunct="1">
+        <a:defRPr kumimoji="0" kern="1200">
           <a:solidFill>
             <a:schemeClr val="tx1"/>
           </a:solidFill>
@@ -3024,8 +4047,8 @@
           <a:cs typeface="+mn-cs"/>
         </a:defRPr>
       </a:lvl8pPr>
-      <a:lvl9pPr marL="3657600" algn="l" defTabSz="914400" rtl="0" eaLnBrk="1" latinLnBrk="0" hangingPunct="1">
-        <a:defRPr sz="1800" kern="1200">
+      <a:lvl9pPr marL="3657600" algn="l" rtl="0" eaLnBrk="1" latinLnBrk="0" hangingPunct="1">
+        <a:defRPr kumimoji="0" kern="1200">
           <a:solidFill>
             <a:schemeClr val="tx1"/>
           </a:solidFill>
@@ -3170,7 +4193,7 @@
         <p:spPr/>
         <p:txBody>
           <a:bodyPr>
-            <a:normAutofit fontScale="55000" lnSpcReduction="20000"/>
+            <a:normAutofit fontScale="47500" lnSpcReduction="20000"/>
           </a:bodyPr>
           <a:lstStyle/>
           <a:p>
@@ -3389,7 +4412,9 @@
         </p:nvSpPr>
         <p:spPr/>
         <p:txBody>
-          <a:bodyPr/>
+          <a:bodyPr>
+            <a:normAutofit lnSpcReduction="10000"/>
+          </a:bodyPr>
           <a:lstStyle/>
           <a:p>
             <a:endParaRPr lang="en-US" altLang="zh-CN" dirty="0" smtClean="0"/>
@@ -3429,8 +4454,8 @@
         </p:blipFill>
         <p:spPr bwMode="auto">
           <a:xfrm>
-            <a:off x="1790700" y="1350789"/>
-            <a:ext cx="5562600" cy="854075"/>
+            <a:off x="1790700" y="1013092"/>
+            <a:ext cx="5562600" cy="640556"/>
           </a:xfrm>
           <a:prstGeom prst="rect">
             <a:avLst/>
@@ -3539,7 +4564,7 @@
         <p:spPr/>
         <p:txBody>
           <a:bodyPr>
-            <a:normAutofit lnSpcReduction="10000"/>
+            <a:normAutofit fontScale="85000" lnSpcReduction="10000"/>
           </a:bodyPr>
           <a:lstStyle/>
           <a:p>
@@ -3598,8 +4623,8 @@
         </p:blipFill>
         <p:spPr bwMode="auto">
           <a:xfrm>
-            <a:off x="1516063" y="1340768"/>
-            <a:ext cx="6111875" cy="1257300"/>
+            <a:off x="1516064" y="1005576"/>
+            <a:ext cx="6111875" cy="942975"/>
           </a:xfrm>
           <a:prstGeom prst="rect">
             <a:avLst/>
@@ -3743,8 +4768,8 @@
         </p:blipFill>
         <p:spPr bwMode="auto">
           <a:xfrm>
-            <a:off x="3043238" y="4227289"/>
-            <a:ext cx="3055937" cy="1577975"/>
+            <a:off x="2987824" y="3723878"/>
+            <a:ext cx="3055937" cy="1183481"/>
           </a:xfrm>
           <a:prstGeom prst="rect">
             <a:avLst/>
@@ -3853,7 +4878,7 @@
         <p:spPr/>
         <p:txBody>
           <a:bodyPr>
-            <a:normAutofit fontScale="92500" lnSpcReduction="10000"/>
+            <a:normAutofit fontScale="85000" lnSpcReduction="20000"/>
           </a:bodyPr>
           <a:lstStyle/>
           <a:p>
@@ -4058,8 +5083,8 @@
         </p:blipFill>
         <p:spPr bwMode="auto">
           <a:xfrm>
-            <a:off x="841375" y="260648"/>
-            <a:ext cx="7461250" cy="2057400"/>
+            <a:off x="841375" y="195486"/>
+            <a:ext cx="7461250" cy="1543050"/>
           </a:xfrm>
           <a:prstGeom prst="rect">
             <a:avLst/>
@@ -4122,8 +5147,8 @@
         </p:blipFill>
         <p:spPr bwMode="auto">
           <a:xfrm>
-            <a:off x="795338" y="4614961"/>
-            <a:ext cx="7551737" cy="830263"/>
+            <a:off x="795339" y="3461221"/>
+            <a:ext cx="7551737" cy="622697"/>
           </a:xfrm>
           <a:prstGeom prst="rect">
             <a:avLst/>
@@ -4232,7 +5257,7 @@
         <p:spPr/>
         <p:txBody>
           <a:bodyPr>
-            <a:normAutofit fontScale="92500" lnSpcReduction="20000"/>
+            <a:normAutofit fontScale="77500" lnSpcReduction="20000"/>
           </a:bodyPr>
           <a:lstStyle/>
           <a:p>
@@ -4373,7 +5398,7 @@
         <p:spPr/>
         <p:txBody>
           <a:bodyPr>
-            <a:normAutofit fontScale="70000" lnSpcReduction="20000"/>
+            <a:normAutofit fontScale="62500" lnSpcReduction="20000"/>
           </a:bodyPr>
           <a:lstStyle/>
           <a:p>
@@ -4600,8 +5625,8 @@
         </p:blipFill>
         <p:spPr bwMode="auto">
           <a:xfrm>
-            <a:off x="1885950" y="3094038"/>
-            <a:ext cx="5372100" cy="669925"/>
+            <a:off x="1835696" y="2427734"/>
+            <a:ext cx="5372100" cy="502444"/>
           </a:xfrm>
           <a:prstGeom prst="rect">
             <a:avLst/>
@@ -4664,8 +5689,8 @@
         </p:blipFill>
         <p:spPr bwMode="auto">
           <a:xfrm>
-            <a:off x="1466850" y="5110633"/>
-            <a:ext cx="6210300" cy="982663"/>
+            <a:off x="1835696" y="4443958"/>
+            <a:ext cx="6210300" cy="736997"/>
           </a:xfrm>
           <a:prstGeom prst="rect">
             <a:avLst/>
@@ -4774,7 +5799,7 @@
         <p:spPr/>
         <p:txBody>
           <a:bodyPr>
-            <a:normAutofit fontScale="77500" lnSpcReduction="20000"/>
+            <a:normAutofit fontScale="70000" lnSpcReduction="20000"/>
           </a:bodyPr>
           <a:lstStyle/>
           <a:p>
@@ -4921,7 +5946,7 @@
         <p:spPr/>
         <p:txBody>
           <a:bodyPr>
-            <a:normAutofit lnSpcReduction="10000"/>
+            <a:normAutofit fontScale="85000" lnSpcReduction="20000"/>
           </a:bodyPr>
           <a:lstStyle/>
           <a:p>
@@ -5056,7 +6081,7 @@
         <p:spPr/>
         <p:txBody>
           <a:bodyPr>
-            <a:normAutofit fontScale="85000" lnSpcReduction="10000"/>
+            <a:normAutofit fontScale="77500" lnSpcReduction="20000"/>
           </a:bodyPr>
           <a:lstStyle/>
           <a:p>
@@ -5204,8 +6229,8 @@
         </p:blipFill>
         <p:spPr bwMode="auto">
           <a:xfrm>
-            <a:off x="1123950" y="3300387"/>
-            <a:ext cx="6896100" cy="1928813"/>
+            <a:off x="1123950" y="2475291"/>
+            <a:ext cx="6896100" cy="1446610"/>
           </a:xfrm>
           <a:prstGeom prst="rect">
             <a:avLst/>
@@ -5393,7 +6418,7 @@
         <p:spPr/>
         <p:txBody>
           <a:bodyPr>
-            <a:normAutofit fontScale="85000" lnSpcReduction="20000"/>
+            <a:normAutofit fontScale="70000" lnSpcReduction="20000"/>
           </a:bodyPr>
           <a:lstStyle/>
           <a:p>
@@ -5543,7 +6568,7 @@
         <p:spPr/>
         <p:txBody>
           <a:bodyPr>
-            <a:normAutofit fontScale="55000" lnSpcReduction="20000"/>
+            <a:normAutofit fontScale="40000" lnSpcReduction="20000"/>
           </a:bodyPr>
           <a:lstStyle/>
           <a:p>
@@ -5756,7 +6781,7 @@
         <p:spPr/>
         <p:txBody>
           <a:bodyPr>
-            <a:normAutofit fontScale="85000" lnSpcReduction="10000"/>
+            <a:normAutofit fontScale="70000" lnSpcReduction="20000"/>
           </a:bodyPr>
           <a:lstStyle/>
           <a:p>
@@ -5942,13 +6967,13 @@
         </p:nvSpPr>
         <p:spPr>
           <a:xfrm>
-            <a:off x="457200" y="1600200"/>
-            <a:ext cx="8229600" cy="5141168"/>
+            <a:off x="457200" y="1200150"/>
+            <a:ext cx="8229600" cy="3855876"/>
           </a:xfrm>
         </p:spPr>
         <p:txBody>
           <a:bodyPr>
-            <a:normAutofit fontScale="62500" lnSpcReduction="20000"/>
+            <a:normAutofit fontScale="47500" lnSpcReduction="20000"/>
           </a:bodyPr>
           <a:lstStyle/>
           <a:p>
@@ -6061,8 +7086,8 @@
         </p:blipFill>
         <p:spPr bwMode="auto">
           <a:xfrm>
-            <a:off x="300038" y="1196752"/>
-            <a:ext cx="8542337" cy="3055937"/>
+            <a:off x="300039" y="897564"/>
+            <a:ext cx="8542337" cy="2291953"/>
           </a:xfrm>
           <a:prstGeom prst="rect">
             <a:avLst/>
@@ -6282,7 +7307,7 @@
         <p:spPr/>
         <p:txBody>
           <a:bodyPr>
-            <a:normAutofit/>
+            <a:normAutofit fontScale="92500"/>
           </a:bodyPr>
           <a:lstStyle/>
           <a:p>
@@ -6410,8 +7435,8 @@
         </p:blipFill>
         <p:spPr bwMode="auto">
           <a:xfrm>
-            <a:off x="1295400" y="1987550"/>
-            <a:ext cx="6553200" cy="2881313"/>
+            <a:off x="1295400" y="1490663"/>
+            <a:ext cx="6553200" cy="2160985"/>
           </a:xfrm>
           <a:prstGeom prst="rect">
             <a:avLst/>
@@ -6472,9 +7497,9 @@
 </file>
 
 <file path=ppt/theme/theme1.xml><?xml version="1.0" encoding="utf-8"?>
-<a:theme xmlns:a="http://schemas.openxmlformats.org/drawingml/2006/main" name="Office 主题">
+<a:theme xmlns:a="http://schemas.openxmlformats.org/drawingml/2006/main" name="凤舞九天">
   <a:themeElements>
-    <a:clrScheme name="Office">
+    <a:clrScheme name="凤舞九天">
       <a:dk1>
         <a:sysClr val="windowText" lastClr="000000"/>
       </a:dk1>
@@ -6482,43 +7507,78 @@
         <a:sysClr val="window" lastClr="FFFFFF"/>
       </a:lt1>
       <a:dk2>
-        <a:srgbClr val="1F497D"/>
+        <a:srgbClr val="004646"/>
       </a:dk2>
       <a:lt2>
-        <a:srgbClr val="EEECE1"/>
+        <a:srgbClr val="E1F0FF"/>
       </a:lt2>
       <a:accent1>
-        <a:srgbClr val="4F81BD"/>
+        <a:srgbClr val="50742F"/>
       </a:accent1>
       <a:accent2>
-        <a:srgbClr val="C0504D"/>
+        <a:srgbClr val="268868"/>
       </a:accent2>
       <a:accent3>
-        <a:srgbClr val="9BBB59"/>
+        <a:srgbClr val="33BD56"/>
       </a:accent3>
       <a:accent4>
-        <a:srgbClr val="8064A2"/>
+        <a:srgbClr val="4BC5B9"/>
       </a:accent4>
       <a:accent5>
-        <a:srgbClr val="4BACC6"/>
+        <a:srgbClr val="3163CA"/>
       </a:accent5>
       <a:accent6>
-        <a:srgbClr val="F79646"/>
+        <a:srgbClr val="4B14AA"/>
       </a:accent6>
       <a:hlink>
-        <a:srgbClr val="0000FF"/>
+        <a:srgbClr val="D9BE02"/>
       </a:hlink>
       <a:folHlink>
-        <a:srgbClr val="800080"/>
+        <a:srgbClr val="F900F9"/>
       </a:folHlink>
     </a:clrScheme>
-    <a:fontScheme name="Office">
+    <a:fontScheme name="凤舞九天">
       <a:majorFont>
-        <a:latin typeface="Calibri"/>
+        <a:latin typeface="Footlight MT Light"/>
         <a:ea typeface=""/>
         <a:cs typeface=""/>
         <a:font script="Jpan" typeface="ＭＳ Ｐゴシック"/>
         <a:font script="Hang" typeface="맑은 고딕"/>
+        <a:font script="Hans" typeface="华文新魏"/>
+        <a:font script="Hant" typeface="微軟正黑體"/>
+        <a:font script="Arab" typeface="Arial"/>
+        <a:font script="Hebr" typeface="Arial"/>
+        <a:font script="Thai" typeface="Cordia New"/>
+        <a:font script="Ethi" typeface="Nyala"/>
+        <a:font script="Beng" typeface="Vrinda"/>
+        <a:font script="Gujr" typeface="Shruti"/>
+        <a:font script="Khmr" typeface="DaunPenh"/>
+        <a:font script="Knda" typeface="Tunga"/>
+        <a:font script="Guru" typeface="Raavi"/>
+        <a:font script="Cans" typeface="Euphemia"/>
+        <a:font script="Cher" typeface="Plantagenet Cherokee"/>
+        <a:font script="Yiii" typeface="Microsoft Yi Baiti"/>
+        <a:font script="Tibt" typeface="Microsoft Himalaya"/>
+        <a:font script="Thaa" typeface="MV Boli"/>
+        <a:font script="Deva" typeface="Mangal"/>
+        <a:font script="Telu" typeface="Gautami"/>
+        <a:font script="Taml" typeface="Latha"/>
+        <a:font script="Syrc" typeface="Estrangelo Edessa"/>
+        <a:font script="Orya" typeface="Kalinga"/>
+        <a:font script="Mlym" typeface="Kartika"/>
+        <a:font script="Laoo" typeface="DokChampa"/>
+        <a:font script="Sinh" typeface="Iskoola Pota"/>
+        <a:font script="Mong" typeface="Mongolian Baiti"/>
+        <a:font script="Viet" typeface="Arial"/>
+        <a:font script="Uigh" typeface="Microsoft Uighur"/>
+        <a:font script="Geor" typeface="Sylfaen"/>
+      </a:majorFont>
+      <a:minorFont>
+        <a:latin typeface="Goudy Old Style"/>
+        <a:ea typeface=""/>
+        <a:cs typeface=""/>
+        <a:font script="Jpan" typeface="ＭＳ Ｐ明朝"/>
+        <a:font script="Hang" typeface="HY견명조"/>
         <a:font script="Hans" typeface="宋体"/>
         <a:font script="Hant" typeface="新細明體"/>
         <a:font script="Arab" typeface="Times New Roman"/>
@@ -6546,101 +7606,70 @@
         <a:font script="Mong" typeface="Mongolian Baiti"/>
         <a:font script="Viet" typeface="Times New Roman"/>
         <a:font script="Uigh" typeface="Microsoft Uighur"/>
-      </a:majorFont>
-      <a:minorFont>
-        <a:latin typeface="Calibri"/>
-        <a:ea typeface=""/>
-        <a:cs typeface=""/>
-        <a:font script="Jpan" typeface="ＭＳ Ｐゴシック"/>
-        <a:font script="Hang" typeface="맑은 고딕"/>
-        <a:font script="Hans" typeface="宋体"/>
-        <a:font script="Hant" typeface="新細明體"/>
-        <a:font script="Arab" typeface="Arial"/>
-        <a:font script="Hebr" typeface="Arial"/>
-        <a:font script="Thai" typeface="Cordia New"/>
-        <a:font script="Ethi" typeface="Nyala"/>
-        <a:font script="Beng" typeface="Vrinda"/>
-        <a:font script="Gujr" typeface="Shruti"/>
-        <a:font script="Khmr" typeface="DaunPenh"/>
-        <a:font script="Knda" typeface="Tunga"/>
-        <a:font script="Guru" typeface="Raavi"/>
-        <a:font script="Cans" typeface="Euphemia"/>
-        <a:font script="Cher" typeface="Plantagenet Cherokee"/>
-        <a:font script="Yiii" typeface="Microsoft Yi Baiti"/>
-        <a:font script="Tibt" typeface="Microsoft Himalaya"/>
-        <a:font script="Thaa" typeface="MV Boli"/>
-        <a:font script="Deva" typeface="Mangal"/>
-        <a:font script="Telu" typeface="Gautami"/>
-        <a:font script="Taml" typeface="Latha"/>
-        <a:font script="Syrc" typeface="Estrangelo Edessa"/>
-        <a:font script="Orya" typeface="Kalinga"/>
-        <a:font script="Mlym" typeface="Kartika"/>
-        <a:font script="Laoo" typeface="DokChampa"/>
-        <a:font script="Sinh" typeface="Iskoola Pota"/>
-        <a:font script="Mong" typeface="Mongolian Baiti"/>
-        <a:font script="Viet" typeface="Arial"/>
-        <a:font script="Uigh" typeface="Microsoft Uighur"/>
+        <a:font script="Geor" typeface="Sylfaen"/>
       </a:minorFont>
     </a:fontScheme>
-    <a:fmtScheme name="Office">
+    <a:fmtScheme name="凤舞九天">
       <a:fillStyleLst>
         <a:solidFill>
-          <a:schemeClr val="phClr"/>
+          <a:schemeClr val="phClr">
+            <a:tint val="100000"/>
+            <a:shade val="100000"/>
+            <a:hueMod val="100000"/>
+            <a:satMod val="100000"/>
+          </a:schemeClr>
         </a:solidFill>
         <a:gradFill rotWithShape="1">
           <a:gsLst>
             <a:gs pos="0">
               <a:schemeClr val="phClr">
-                <a:tint val="50000"/>
-                <a:satMod val="300000"/>
+                <a:tint val="65000"/>
+                <a:satMod val="180000"/>
               </a:schemeClr>
             </a:gs>
-            <a:gs pos="35000">
+            <a:gs pos="50000">
               <a:schemeClr val="phClr">
-                <a:tint val="37000"/>
-                <a:satMod val="300000"/>
+                <a:tint val="40000"/>
+                <a:satMod val="175000"/>
               </a:schemeClr>
             </a:gs>
             <a:gs pos="100000">
               <a:schemeClr val="phClr">
-                <a:tint val="15000"/>
-                <a:satMod val="350000"/>
+                <a:tint val="65000"/>
+                <a:satMod val="180000"/>
               </a:schemeClr>
             </a:gs>
           </a:gsLst>
-          <a:lin ang="16200000" scaled="1"/>
+          <a:lin ang="0" scaled="1"/>
         </a:gradFill>
         <a:gradFill rotWithShape="1">
           <a:gsLst>
             <a:gs pos="0">
               <a:schemeClr val="phClr">
-                <a:shade val="51000"/>
-                <a:satMod val="130000"/>
+                <a:shade val="38000"/>
+                <a:satMod val="150000"/>
               </a:schemeClr>
             </a:gs>
-            <a:gs pos="80000">
+            <a:gs pos="50000">
               <a:schemeClr val="phClr">
-                <a:shade val="93000"/>
-                <a:satMod val="130000"/>
+                <a:shade val="100000"/>
+                <a:satMod val="100000"/>
               </a:schemeClr>
             </a:gs>
             <a:gs pos="100000">
               <a:schemeClr val="phClr">
-                <a:shade val="94000"/>
-                <a:satMod val="135000"/>
+                <a:shade val="38000"/>
+                <a:satMod val="150000"/>
               </a:schemeClr>
             </a:gs>
           </a:gsLst>
-          <a:lin ang="16200000" scaled="0"/>
+          <a:lin ang="0" scaled="1"/>
         </a:gradFill>
       </a:fillStyleLst>
       <a:lnStyleLst>
-        <a:ln w="9525" cap="flat" cmpd="sng" algn="ctr">
+        <a:ln w="12700" cap="flat" cmpd="sng" algn="ctr">
           <a:solidFill>
-            <a:schemeClr val="phClr">
-              <a:shade val="95000"/>
-              <a:satMod val="105000"/>
-            </a:schemeClr>
+            <a:schemeClr val="phClr"/>
           </a:solidFill>
           <a:prstDash val="solid"/>
         </a:ln>
@@ -6650,7 +7679,7 @@
           </a:solidFill>
           <a:prstDash val="solid"/>
         </a:ln>
-        <a:ln w="38100" cap="flat" cmpd="sng" algn="ctr">
+        <a:ln w="38100" cap="flat" cmpd="dbl" algn="ctr">
           <a:solidFill>
             <a:schemeClr val="phClr"/>
           </a:solidFill>
@@ -6660,92 +7689,96 @@
       <a:effectStyleLst>
         <a:effectStyle>
           <a:effectLst>
-            <a:outerShdw blurRad="40000" dist="20000" dir="5400000" rotWithShape="0">
+            <a:outerShdw blurRad="190500" dist="78600" dir="2700000" rotWithShape="0">
               <a:srgbClr val="000000">
-                <a:alpha val="38000"/>
+                <a:alpha val="35500"/>
               </a:srgbClr>
             </a:outerShdw>
           </a:effectLst>
         </a:effectStyle>
         <a:effectStyle>
           <a:effectLst>
-            <a:outerShdw blurRad="40000" dist="23000" dir="5400000" rotWithShape="0">
+            <a:outerShdw blurRad="190500" dist="78600" dir="2700000" rotWithShape="0">
               <a:srgbClr val="000000">
-                <a:alpha val="35000"/>
+                <a:alpha val="35500"/>
               </a:srgbClr>
             </a:outerShdw>
           </a:effectLst>
         </a:effectStyle>
         <a:effectStyle>
           <a:effectLst>
-            <a:outerShdw blurRad="40000" dist="23000" dir="5400000" rotWithShape="0">
+            <a:outerShdw blurRad="190500" dist="78600" dir="2700000" rotWithShape="0">
               <a:srgbClr val="000000">
-                <a:alpha val="35000"/>
+                <a:alpha val="35500"/>
               </a:srgbClr>
             </a:outerShdw>
           </a:effectLst>
           <a:scene3d>
-            <a:camera prst="orthographicFront">
+            <a:camera prst="orthographicFront" fov="0">
               <a:rot lat="0" lon="0" rev="0"/>
             </a:camera>
-            <a:lightRig rig="threePt" dir="t">
-              <a:rot lat="0" lon="0" rev="1200000"/>
+            <a:lightRig rig="soft" dir="tl">
+              <a:rot lat="0" lon="0" rev="20100000"/>
             </a:lightRig>
           </a:scene3d>
           <a:sp3d>
-            <a:bevelT w="63500" h="25400"/>
+            <a:bevelT w="50800" h="50800"/>
           </a:sp3d>
         </a:effectStyle>
       </a:effectStyleLst>
       <a:bgFillStyleLst>
         <a:solidFill>
-          <a:schemeClr val="phClr"/>
+          <a:schemeClr val="phClr">
+            <a:tint val="100000"/>
+            <a:shade val="100000"/>
+            <a:hueMod val="100000"/>
+            <a:satMod val="100000"/>
+          </a:schemeClr>
         </a:solidFill>
         <a:gradFill rotWithShape="1">
           <a:gsLst>
             <a:gs pos="0">
               <a:schemeClr val="phClr">
-                <a:tint val="40000"/>
-                <a:satMod val="350000"/>
+                <a:tint val="80000"/>
+                <a:satMod val="400000"/>
               </a:schemeClr>
             </a:gs>
-            <a:gs pos="40000">
+            <a:gs pos="25000">
               <a:schemeClr val="phClr">
-                <a:tint val="45000"/>
-                <a:shade val="99000"/>
-                <a:satMod val="350000"/>
-              </a:schemeClr>
-            </a:gs>
-            <a:gs pos="100000">
-              <a:schemeClr val="phClr">
-                <a:shade val="20000"/>
-                <a:satMod val="255000"/>
-              </a:schemeClr>
-            </a:gs>
-          </a:gsLst>
-          <a:path path="circle">
-            <a:fillToRect l="50000" t="-80000" r="50000" b="180000"/>
-          </a:path>
-        </a:gradFill>
-        <a:gradFill rotWithShape="1">
-          <a:gsLst>
-            <a:gs pos="0">
-              <a:schemeClr val="phClr">
-                <a:tint val="80000"/>
+                <a:tint val="83000"/>
                 <a:satMod val="300000"/>
               </a:schemeClr>
             </a:gs>
             <a:gs pos="100000">
               <a:schemeClr val="phClr">
-                <a:shade val="30000"/>
-                <a:satMod val="200000"/>
+                <a:shade val="15000"/>
+                <a:satMod val="300000"/>
               </a:schemeClr>
             </a:gs>
           </a:gsLst>
           <a:path path="circle">
-            <a:fillToRect l="50000" t="50000" r="50000" b="50000"/>
+            <a:fillToRect l="10000" t="180000" r="10000" b="50000"/>
           </a:path>
         </a:gradFill>
+        <a:blipFill>
+          <a:blip xmlns:r="http://schemas.openxmlformats.org/officeDocument/2006/relationships" r:embed="rId1">
+            <a:duotone>
+              <a:schemeClr val="phClr">
+                <a:tint val="100000"/>
+                <a:shade val="70000"/>
+                <a:hueMod val="100000"/>
+                <a:satMod val="100000"/>
+              </a:schemeClr>
+              <a:schemeClr val="phClr">
+                <a:tint val="90000"/>
+                <a:shade val="100000"/>
+                <a:hueMod val="100000"/>
+                <a:satMod val="100000"/>
+              </a:schemeClr>
+            </a:duotone>
+          </a:blip>
+          <a:tile tx="0" ty="0" sx="50000" sy="50000" flip="x" algn="tl"/>
+        </a:blipFill>
       </a:bgFillStyleLst>
     </a:fmtScheme>
   </a:themeElements>

--- a/Slides/7 Callbacks and Customization/Callbacks and Customization.pptx
+++ b/Slides/7 Callbacks and Customization/Callbacks and Customization.pptx
@@ -24,9 +24,9 @@
     <p:sldId id="272" r:id="rId18"/>
     <p:sldId id="273" r:id="rId19"/>
     <p:sldId id="275" r:id="rId20"/>
-    <p:sldId id="276" r:id="rId21"/>
-    <p:sldId id="277" r:id="rId22"/>
-    <p:sldId id="274" r:id="rId23"/>
+    <p:sldId id="278" r:id="rId21"/>
+    <p:sldId id="276" r:id="rId22"/>
+    <p:sldId id="277" r:id="rId23"/>
   </p:sldIdLst>
   <p:sldSz cx="9144000" cy="5143500" type="screen16x9"/>
   <p:notesSz cx="6858000" cy="9144000"/>
@@ -348,7 +348,7 @@
           <a:p>
             <a:fld id="{530820CF-B880-4189-942D-D702A7CBA730}" type="datetimeFigureOut">
               <a:rPr lang="zh-CN" altLang="en-US" smtClean="0"/>
-              <a:t>2017/10/19</a:t>
+              <a:t>2017/10/25</a:t>
             </a:fld>
             <a:endParaRPr lang="zh-CN" altLang="en-US"/>
           </a:p>
@@ -570,7 +570,7 @@
           <a:p>
             <a:fld id="{530820CF-B880-4189-942D-D702A7CBA730}" type="datetimeFigureOut">
               <a:rPr lang="zh-CN" altLang="en-US" smtClean="0"/>
-              <a:t>2017/10/19</a:t>
+              <a:t>2017/10/25</a:t>
             </a:fld>
             <a:endParaRPr lang="zh-CN" altLang="en-US"/>
           </a:p>
@@ -838,7 +838,7 @@
           <a:p>
             <a:fld id="{530820CF-B880-4189-942D-D702A7CBA730}" type="datetimeFigureOut">
               <a:rPr lang="zh-CN" altLang="en-US" smtClean="0"/>
-              <a:t>2017/10/19</a:t>
+              <a:t>2017/10/25</a:t>
             </a:fld>
             <a:endParaRPr lang="zh-CN" altLang="en-US"/>
           </a:p>
@@ -1088,7 +1088,7 @@
           <a:p>
             <a:fld id="{530820CF-B880-4189-942D-D702A7CBA730}" type="datetimeFigureOut">
               <a:rPr lang="zh-CN" altLang="en-US" smtClean="0"/>
-              <a:t>2017/10/19</a:t>
+              <a:t>2017/10/25</a:t>
             </a:fld>
             <a:endParaRPr lang="zh-CN" altLang="en-US"/>
           </a:p>
@@ -1347,7 +1347,7 @@
           <a:p>
             <a:fld id="{530820CF-B880-4189-942D-D702A7CBA730}" type="datetimeFigureOut">
               <a:rPr lang="zh-CN" altLang="en-US" smtClean="0"/>
-              <a:t>2017/10/19</a:t>
+              <a:t>2017/10/25</a:t>
             </a:fld>
             <a:endParaRPr lang="zh-CN" altLang="en-US"/>
           </a:p>
@@ -1712,7 +1712,7 @@
           <a:p>
             <a:fld id="{530820CF-B880-4189-942D-D702A7CBA730}" type="datetimeFigureOut">
               <a:rPr lang="zh-CN" altLang="en-US" smtClean="0"/>
-              <a:t>2017/10/19</a:t>
+              <a:t>2017/10/25</a:t>
             </a:fld>
             <a:endParaRPr lang="zh-CN" altLang="en-US"/>
           </a:p>
@@ -2210,7 +2210,7 @@
           <a:p>
             <a:fld id="{530820CF-B880-4189-942D-D702A7CBA730}" type="datetimeFigureOut">
               <a:rPr lang="zh-CN" altLang="en-US" smtClean="0"/>
-              <a:t>2017/10/19</a:t>
+              <a:t>2017/10/25</a:t>
             </a:fld>
             <a:endParaRPr lang="zh-CN" altLang="en-US"/>
           </a:p>
@@ -2404,7 +2404,7 @@
           <a:p>
             <a:fld id="{530820CF-B880-4189-942D-D702A7CBA730}" type="datetimeFigureOut">
               <a:rPr lang="zh-CN" altLang="en-US" smtClean="0"/>
-              <a:t>2017/10/19</a:t>
+              <a:t>2017/10/25</a:t>
             </a:fld>
             <a:endParaRPr lang="zh-CN" altLang="en-US"/>
           </a:p>
@@ -2575,7 +2575,7 @@
           <a:p>
             <a:fld id="{530820CF-B880-4189-942D-D702A7CBA730}" type="datetimeFigureOut">
               <a:rPr lang="zh-CN" altLang="en-US" smtClean="0"/>
-              <a:t>2017/10/19</a:t>
+              <a:t>2017/10/25</a:t>
             </a:fld>
             <a:endParaRPr lang="zh-CN" altLang="en-US"/>
           </a:p>
@@ -2975,7 +2975,7 @@
           <a:p>
             <a:fld id="{530820CF-B880-4189-942D-D702A7CBA730}" type="datetimeFigureOut">
               <a:rPr lang="zh-CN" altLang="en-US" smtClean="0"/>
-              <a:t>2017/10/19</a:t>
+              <a:t>2017/10/25</a:t>
             </a:fld>
             <a:endParaRPr lang="zh-CN" altLang="en-US"/>
           </a:p>
@@ -3355,7 +3355,7 @@
           <a:p>
             <a:fld id="{530820CF-B880-4189-942D-D702A7CBA730}" type="datetimeFigureOut">
               <a:rPr lang="zh-CN" altLang="en-US" smtClean="0"/>
-              <a:t>2017/10/19</a:t>
+              <a:t>2017/10/25</a:t>
             </a:fld>
             <a:endParaRPr lang="zh-CN" altLang="en-US"/>
           </a:p>
@@ -3629,7 +3629,7 @@
           <a:p>
             <a:fld id="{530820CF-B880-4189-942D-D702A7CBA730}" type="datetimeFigureOut">
               <a:rPr lang="zh-CN" altLang="en-US" smtClean="0"/>
-              <a:t>2017/10/19</a:t>
+              <a:t>2017/10/25</a:t>
             </a:fld>
             <a:endParaRPr lang="zh-CN" altLang="en-US"/>
           </a:p>
@@ -5568,8 +5568,6 @@
               <a:rPr lang="en-US" altLang="zh-CN" dirty="0" smtClean="0"/>
               <a:t>:</a:t>
             </a:r>
-          </a:p>
-          <a:p>
             <a:endParaRPr lang="en-US" altLang="zh-CN" dirty="0"/>
           </a:p>
           <a:p>
@@ -5689,7 +5687,7 @@
         </p:blipFill>
         <p:spPr bwMode="auto">
           <a:xfrm>
-            <a:off x="1835696" y="4443958"/>
+            <a:off x="1619672" y="3867894"/>
             <a:ext cx="6210300" cy="736997"/>
           </a:xfrm>
           <a:prstGeom prst="rect">
@@ -6061,8 +6059,12 @@
           <a:lstStyle/>
           <a:p>
             <a:r>
-              <a:rPr lang="en-US" altLang="zh-CN" dirty="0"/>
-              <a:t>Active Transforms</a:t>
+              <a:rPr lang="zh-CN" altLang="en-US" dirty="0" smtClean="0"/>
+              <a:t>使用</a:t>
+            </a:r>
+            <a:r>
+              <a:rPr lang="en-US" altLang="zh-CN" dirty="0" smtClean="0"/>
+              <a:t>contact modification</a:t>
             </a:r>
             <a:endParaRPr lang="zh-CN" altLang="en-US" dirty="0"/>
           </a:p>
@@ -6087,37 +6089,59 @@
           <a:p>
             <a:r>
               <a:rPr lang="en-US" altLang="zh-CN" dirty="0"/>
-              <a:t>The active transforms API provides an efficient way to reflect actor transform changes in a PhysX scene to an associated external object such as a render mesh.</a:t>
-            </a:r>
-          </a:p>
-          <a:p>
-            <a:r>
-              <a:rPr lang="en-US" altLang="zh-CN" dirty="0"/>
-              <a:t>When a scene's </a:t>
-            </a:r>
-            <a:r>
-              <a:rPr lang="en-US" altLang="zh-CN" dirty="0" err="1"/>
-              <a:t>fetchResults</a:t>
-            </a:r>
-            <a:r>
-              <a:rPr lang="en-US" altLang="zh-CN" dirty="0"/>
-              <a:t>() method is called an array of </a:t>
-            </a:r>
-            <a:r>
-              <a:rPr lang="en-US" altLang="zh-CN" i="1" dirty="0" err="1"/>
-              <a:t>PxActiveTransform</a:t>
-            </a:r>
-            <a:r>
-              <a:rPr lang="en-US" altLang="zh-CN" dirty="0"/>
-              <a:t> </a:t>
-            </a:r>
-            <a:r>
-              <a:rPr lang="en-US" altLang="zh-CN" dirty="0" err="1"/>
-              <a:t>structs</a:t>
-            </a:r>
-            <a:r>
-              <a:rPr lang="en-US" altLang="zh-CN" dirty="0"/>
-              <a:t> is generated, each entry in the array contains a pointer to the actor that moved, its user data and its new transform. Because only actors that have moved will be included in the list this approach is potentially much more efficient than, for example, analyzing each actor in the scene individually.</a:t>
+              <a:t>Every pair of shapes comes with an array of contact points, that have a number of properties that can be </a:t>
+            </a:r>
+            <a:r>
+              <a:rPr lang="en-US" altLang="zh-CN" dirty="0" smtClean="0"/>
+              <a:t>modified</a:t>
+            </a:r>
+          </a:p>
+          <a:p>
+            <a:pPr lvl="1"/>
+            <a:r>
+              <a:rPr lang="en-US" altLang="zh-CN" dirty="0" smtClean="0"/>
+              <a:t>such </a:t>
+            </a:r>
+            <a:r>
+              <a:rPr lang="en-US" altLang="zh-CN" dirty="0"/>
+              <a:t>as position, contact normal, and </a:t>
+            </a:r>
+            <a:r>
+              <a:rPr lang="en-US" altLang="zh-CN" dirty="0" smtClean="0"/>
+              <a:t>separation</a:t>
+            </a:r>
+            <a:endParaRPr lang="en-US" altLang="zh-CN" dirty="0"/>
+          </a:p>
+          <a:p>
+            <a:r>
+              <a:rPr lang="en-US" altLang="zh-CN" dirty="0"/>
+              <a:t>In addition to modifying contact properties, it is possible to: </a:t>
+            </a:r>
+            <a:endParaRPr lang="en-US" altLang="zh-CN" dirty="0" smtClean="0"/>
+          </a:p>
+          <a:p>
+            <a:pPr lvl="1"/>
+            <a:r>
+              <a:rPr lang="en-US" altLang="zh-CN" dirty="0" smtClean="0"/>
+              <a:t>Set </a:t>
+            </a:r>
+            <a:r>
+              <a:rPr lang="en-US" altLang="zh-CN" dirty="0"/>
+              <a:t>target velocities for each contact </a:t>
+            </a:r>
+          </a:p>
+          <a:p>
+            <a:pPr lvl="1"/>
+            <a:r>
+              <a:rPr lang="en-US" altLang="zh-CN" dirty="0"/>
+              <a:t>Limit the maximum impulse applied at each contact </a:t>
+            </a:r>
+          </a:p>
+          <a:p>
+            <a:pPr lvl="1"/>
+            <a:r>
+              <a:rPr lang="en-US" altLang="zh-CN" dirty="0"/>
+              <a:t>Adjust inverse mass and inverse inertia scales separately for each body </a:t>
             </a:r>
           </a:p>
           <a:p>
@@ -6128,20 +6152,13 @@
     </p:spTree>
     <p:extLst>
       <p:ext uri="{BB962C8B-B14F-4D97-AF65-F5344CB8AC3E}">
-        <p14:creationId xmlns:p14="http://schemas.microsoft.com/office/powerpoint/2010/main" val="1696910163"/>
+        <p14:creationId xmlns:p14="http://schemas.microsoft.com/office/powerpoint/2010/main" val="1826273042"/>
       </p:ext>
     </p:extLst>
   </p:cSld>
   <p:clrMapOvr>
     <a:masterClrMapping/>
   </p:clrMapOvr>
-  <p:timing>
-    <p:tnLst>
-      <p:par>
-        <p:cTn id="1" dur="indefinite" restart="never" nodeType="tmRoot"/>
-      </p:par>
-    </p:tnLst>
-  </p:timing>
 </p:sld>
 </file>
 
@@ -6177,7 +6194,11 @@
           <a:bodyPr/>
           <a:lstStyle/>
           <a:p>
-            <a:endParaRPr lang="zh-CN" altLang="en-US"/>
+            <a:r>
+              <a:rPr lang="en-US" altLang="zh-CN" b="1" dirty="0"/>
+              <a:t>Active Actors</a:t>
+            </a:r>
+            <a:endParaRPr lang="zh-CN" altLang="en-US" dirty="0"/>
           </a:p>
         </p:txBody>
       </p:sp>
@@ -6193,87 +6214,49 @@
         </p:nvSpPr>
         <p:spPr/>
         <p:txBody>
-          <a:bodyPr/>
-          <a:lstStyle/>
-          <a:p>
-            <a:r>
-              <a:rPr lang="en-US" altLang="zh-CN" dirty="0"/>
-              <a:t>The example below shows how to use active transforms to update a render object:</a:t>
-            </a:r>
-          </a:p>
-          <a:p>
+          <a:bodyPr>
+            <a:normAutofit fontScale="85000" lnSpcReduction="10000"/>
+          </a:bodyPr>
+          <a:lstStyle/>
+          <a:p>
+            <a:r>
+              <a:rPr lang="en-US" altLang="zh-CN" dirty="0"/>
+              <a:t>The active actors API provides an efficient way to reflect actor transform changes in a PhysX scene to an associated external object such as a render mesh.</a:t>
+            </a:r>
+          </a:p>
+          <a:p>
+            <a:r>
+              <a:rPr lang="en-US" altLang="zh-CN" dirty="0"/>
+              <a:t>When a scene's </a:t>
+            </a:r>
+            <a:r>
+              <a:rPr lang="en-US" altLang="zh-CN" dirty="0" err="1"/>
+              <a:t>fetchResults</a:t>
+            </a:r>
+            <a:r>
+              <a:rPr lang="en-US" altLang="zh-CN" dirty="0"/>
+              <a:t>() method is called an array of active </a:t>
+            </a:r>
+            <a:r>
+              <a:rPr lang="en-US" altLang="zh-CN" i="1" dirty="0" err="1"/>
+              <a:t>PxActor</a:t>
+            </a:r>
+            <a:r>
+              <a:rPr lang="en-US" altLang="zh-CN" dirty="0"/>
+              <a:t> is generated. Because only actors that have moved will be included in the list this approach is potentially much more efficient than, for example, analyzing each actor in the scene </a:t>
+            </a:r>
+            <a:r>
+              <a:rPr lang="en-US" altLang="zh-CN" dirty="0" smtClean="0"/>
+              <a:t>individually</a:t>
+            </a:r>
             <a:endParaRPr lang="zh-CN" altLang="en-US" dirty="0"/>
           </a:p>
         </p:txBody>
       </p:sp>
-      <p:pic>
-        <p:nvPicPr>
-          <p:cNvPr id="8194" name="Picture 2"/>
-          <p:cNvPicPr>
-            <a:picLocks noChangeAspect="1" noChangeArrowheads="1"/>
-          </p:cNvPicPr>
-          <p:nvPr/>
-        </p:nvPicPr>
-        <p:blipFill>
-          <a:blip r:embed="rId2">
-            <a:extLst>
-              <a:ext uri="{28A0092B-C50C-407E-A947-70E740481C1C}">
-                <a14:useLocalDpi xmlns:a14="http://schemas.microsoft.com/office/drawing/2010/main" val="0"/>
-              </a:ext>
-            </a:extLst>
-          </a:blip>
-          <a:srcRect/>
-          <a:stretch>
-            <a:fillRect/>
-          </a:stretch>
-        </p:blipFill>
-        <p:spPr bwMode="auto">
-          <a:xfrm>
-            <a:off x="1123950" y="2475291"/>
-            <a:ext cx="6896100" cy="1446610"/>
-          </a:xfrm>
-          <a:prstGeom prst="rect">
-            <a:avLst/>
-          </a:prstGeom>
-          <a:noFill/>
-          <a:ln>
-            <a:noFill/>
-          </a:ln>
-          <a:effectLst/>
-          <a:extLst>
-            <a:ext uri="{909E8E84-426E-40DD-AFC4-6F175D3DCCD1}">
-              <a14:hiddenFill xmlns:a14="http://schemas.microsoft.com/office/drawing/2010/main">
-                <a:solidFill>
-                  <a:schemeClr val="accent1"/>
-                </a:solidFill>
-              </a14:hiddenFill>
-            </a:ext>
-            <a:ext uri="{91240B29-F687-4F45-9708-019B960494DF}">
-              <a14:hiddenLine xmlns:a14="http://schemas.microsoft.com/office/drawing/2010/main" w="9525">
-                <a:solidFill>
-                  <a:schemeClr val="tx1"/>
-                </a:solidFill>
-                <a:miter lim="800000"/>
-                <a:headEnd/>
-                <a:tailEnd/>
-              </a14:hiddenLine>
-            </a:ext>
-            <a:ext uri="{AF507438-7753-43E0-B8FC-AC1667EBCBE1}">
-              <a14:hiddenEffects xmlns:a14="http://schemas.microsoft.com/office/drawing/2010/main">
-                <a:effectLst>
-                  <a:outerShdw dist="35921" dir="2700000" algn="ctr" rotWithShape="0">
-                    <a:schemeClr val="bg2"/>
-                  </a:outerShdw>
-                </a:effectLst>
-              </a14:hiddenEffects>
-            </a:ext>
-          </a:extLst>
-        </p:spPr>
-      </p:pic>
     </p:spTree>
     <p:extLst>
       <p:ext uri="{BB962C8B-B14F-4D97-AF65-F5344CB8AC3E}">
-        <p14:creationId xmlns:p14="http://schemas.microsoft.com/office/powerpoint/2010/main" val="1529980378"/>
+        <p14:creationId xmlns:p14="http://schemas.microsoft.com/office/powerpoint/2010/main" val="1696910163"/>
       </p:ext>
     </p:extLst>
   </p:cSld>
@@ -6341,14 +6324,294 @@
           <a:bodyPr/>
           <a:lstStyle/>
           <a:p>
-            <a:endParaRPr lang="zh-CN" altLang="en-US"/>
+            <a:endParaRPr lang="zh-CN" altLang="en-US" dirty="0"/>
+          </a:p>
+        </p:txBody>
+      </p:sp>
+      <p:sp>
+        <p:nvSpPr>
+          <p:cNvPr id="5" name="矩形 4"/>
+          <p:cNvSpPr/>
+          <p:nvPr/>
+        </p:nvSpPr>
+        <p:spPr>
+          <a:xfrm>
+            <a:off x="251520" y="555526"/>
+            <a:ext cx="8856984" cy="3970318"/>
+          </a:xfrm>
+          <a:prstGeom prst="rect">
+            <a:avLst/>
+          </a:prstGeom>
+        </p:spPr>
+        <p:txBody>
+          <a:bodyPr wrap="square">
+            <a:spAutoFit/>
+          </a:bodyPr>
+          <a:lstStyle/>
+          <a:p>
+            <a:r>
+              <a:rPr lang="en-US" altLang="zh-CN" dirty="0"/>
+              <a:t>// update scene</a:t>
+            </a:r>
+          </a:p>
+          <a:p>
+            <a:r>
+              <a:rPr lang="en-US" altLang="zh-CN" dirty="0" err="1"/>
+              <a:t>scene.simulate</a:t>
+            </a:r>
+            <a:r>
+              <a:rPr lang="en-US" altLang="zh-CN" dirty="0"/>
+              <a:t>(</a:t>
+            </a:r>
+            <a:r>
+              <a:rPr lang="en-US" altLang="zh-CN" dirty="0" err="1"/>
+              <a:t>dt</a:t>
+            </a:r>
+            <a:r>
+              <a:rPr lang="en-US" altLang="zh-CN" dirty="0"/>
+              <a:t>);</a:t>
+            </a:r>
+          </a:p>
+          <a:p>
+            <a:r>
+              <a:rPr lang="en-US" altLang="zh-CN" dirty="0" err="1"/>
+              <a:t>scene.fetchResults</a:t>
+            </a:r>
+            <a:r>
+              <a:rPr lang="en-US" altLang="zh-CN" dirty="0"/>
+              <a:t>();</a:t>
+            </a:r>
+          </a:p>
+          <a:p>
+            <a:endParaRPr lang="en-US" altLang="zh-CN" dirty="0"/>
+          </a:p>
+          <a:p>
+            <a:r>
+              <a:rPr lang="en-US" altLang="zh-CN" dirty="0"/>
+              <a:t>// retrieve array of actors that moved</a:t>
+            </a:r>
+          </a:p>
+          <a:p>
+            <a:r>
+              <a:rPr lang="en-US" altLang="zh-CN" dirty="0"/>
+              <a:t>PxU32 </a:t>
+            </a:r>
+            <a:r>
+              <a:rPr lang="en-US" altLang="zh-CN" dirty="0" err="1"/>
+              <a:t>nbActiveActors</a:t>
+            </a:r>
+            <a:r>
+              <a:rPr lang="en-US" altLang="zh-CN" dirty="0"/>
+              <a:t>;</a:t>
+            </a:r>
+          </a:p>
+          <a:p>
+            <a:r>
+              <a:rPr lang="en-US" altLang="zh-CN" dirty="0" err="1"/>
+              <a:t>PxActor</a:t>
+            </a:r>
+            <a:r>
+              <a:rPr lang="en-US" altLang="zh-CN" dirty="0"/>
+              <a:t>** </a:t>
+            </a:r>
+            <a:r>
+              <a:rPr lang="en-US" altLang="zh-CN" dirty="0" err="1"/>
+              <a:t>activeActors</a:t>
+            </a:r>
+            <a:r>
+              <a:rPr lang="en-US" altLang="zh-CN" dirty="0"/>
+              <a:t> = </a:t>
+            </a:r>
+            <a:r>
+              <a:rPr lang="en-US" altLang="zh-CN" dirty="0" err="1"/>
+              <a:t>scene.getActiveActors</a:t>
+            </a:r>
+            <a:r>
+              <a:rPr lang="en-US" altLang="zh-CN" dirty="0"/>
+              <a:t>(</a:t>
+            </a:r>
+            <a:r>
+              <a:rPr lang="en-US" altLang="zh-CN" dirty="0" err="1"/>
+              <a:t>nbActiveActors</a:t>
+            </a:r>
+            <a:r>
+              <a:rPr lang="en-US" altLang="zh-CN" dirty="0"/>
+              <a:t>);</a:t>
+            </a:r>
+          </a:p>
+          <a:p>
+            <a:endParaRPr lang="en-US" altLang="zh-CN" dirty="0"/>
+          </a:p>
+          <a:p>
+            <a:r>
+              <a:rPr lang="en-US" altLang="zh-CN" dirty="0"/>
+              <a:t>// update each render object with the new transform</a:t>
+            </a:r>
+          </a:p>
+          <a:p>
+            <a:r>
+              <a:rPr lang="en-US" altLang="zh-CN" dirty="0"/>
+              <a:t>for (PxU32 </a:t>
+            </a:r>
+            <a:r>
+              <a:rPr lang="en-US" altLang="zh-CN" dirty="0" err="1"/>
+              <a:t>i</a:t>
+            </a:r>
+            <a:r>
+              <a:rPr lang="en-US" altLang="zh-CN" dirty="0"/>
+              <a:t>=0; </a:t>
+            </a:r>
+            <a:r>
+              <a:rPr lang="en-US" altLang="zh-CN" dirty="0" err="1"/>
+              <a:t>i</a:t>
+            </a:r>
+            <a:r>
+              <a:rPr lang="en-US" altLang="zh-CN" dirty="0"/>
+              <a:t> &lt; </a:t>
+            </a:r>
+            <a:r>
+              <a:rPr lang="en-US" altLang="zh-CN" dirty="0" err="1"/>
+              <a:t>nbActiveActors</a:t>
+            </a:r>
+            <a:r>
+              <a:rPr lang="en-US" altLang="zh-CN" dirty="0"/>
+              <a:t>; ++</a:t>
+            </a:r>
+            <a:r>
+              <a:rPr lang="en-US" altLang="zh-CN" dirty="0" err="1"/>
+              <a:t>i</a:t>
+            </a:r>
+            <a:r>
+              <a:rPr lang="en-US" altLang="zh-CN" dirty="0"/>
+              <a:t>)</a:t>
+            </a:r>
+          </a:p>
+          <a:p>
+            <a:r>
+              <a:rPr lang="en-US" altLang="zh-CN" dirty="0"/>
+              <a:t>{</a:t>
+            </a:r>
+          </a:p>
+          <a:p>
+            <a:r>
+              <a:rPr lang="en-US" altLang="zh-CN" dirty="0"/>
+              <a:t>    </a:t>
+            </a:r>
+            <a:r>
+              <a:rPr lang="en-US" altLang="zh-CN" dirty="0" err="1"/>
+              <a:t>MyRenderObject</a:t>
+            </a:r>
+            <a:r>
+              <a:rPr lang="en-US" altLang="zh-CN" dirty="0"/>
+              <a:t>* </a:t>
+            </a:r>
+            <a:r>
+              <a:rPr lang="en-US" altLang="zh-CN" dirty="0" err="1"/>
+              <a:t>renderObject</a:t>
+            </a:r>
+            <a:r>
+              <a:rPr lang="en-US" altLang="zh-CN" dirty="0"/>
+              <a:t> = </a:t>
+            </a:r>
+            <a:r>
+              <a:rPr lang="en-US" altLang="zh-CN" dirty="0" err="1"/>
+              <a:t>static_cast</a:t>
+            </a:r>
+            <a:r>
+              <a:rPr lang="en-US" altLang="zh-CN" dirty="0"/>
+              <a:t>&lt;</a:t>
+            </a:r>
+            <a:r>
+              <a:rPr lang="en-US" altLang="zh-CN" dirty="0" err="1"/>
+              <a:t>MyRenderObject</a:t>
+            </a:r>
+            <a:r>
+              <a:rPr lang="en-US" altLang="zh-CN" dirty="0"/>
+              <a:t>*&gt;(</a:t>
+            </a:r>
+            <a:r>
+              <a:rPr lang="en-US" altLang="zh-CN" dirty="0" err="1"/>
+              <a:t>activeActors</a:t>
+            </a:r>
+            <a:r>
+              <a:rPr lang="en-US" altLang="zh-CN" dirty="0"/>
+              <a:t>[</a:t>
+            </a:r>
+            <a:r>
+              <a:rPr lang="en-US" altLang="zh-CN" dirty="0" err="1"/>
+              <a:t>i</a:t>
+            </a:r>
+            <a:r>
+              <a:rPr lang="en-US" altLang="zh-CN" dirty="0"/>
+              <a:t>]-&gt;</a:t>
+            </a:r>
+            <a:r>
+              <a:rPr lang="en-US" altLang="zh-CN" dirty="0" err="1"/>
+              <a:t>userData</a:t>
+            </a:r>
+            <a:r>
+              <a:rPr lang="en-US" altLang="zh-CN" dirty="0"/>
+              <a:t>);</a:t>
+            </a:r>
+          </a:p>
+          <a:p>
+            <a:r>
+              <a:rPr lang="en-US" altLang="zh-CN" dirty="0"/>
+              <a:t>    </a:t>
+            </a:r>
+            <a:r>
+              <a:rPr lang="en-US" altLang="zh-CN" dirty="0" err="1"/>
+              <a:t>renderObject</a:t>
+            </a:r>
+            <a:r>
+              <a:rPr lang="en-US" altLang="zh-CN" dirty="0"/>
+              <a:t>-&gt;</a:t>
+            </a:r>
+            <a:r>
+              <a:rPr lang="en-US" altLang="zh-CN" dirty="0" err="1"/>
+              <a:t>setTransform</a:t>
+            </a:r>
+            <a:r>
+              <a:rPr lang="en-US" altLang="zh-CN" dirty="0"/>
+              <a:t>(</a:t>
+            </a:r>
+            <a:r>
+              <a:rPr lang="en-US" altLang="zh-CN" dirty="0" err="1"/>
+              <a:t>activeActors</a:t>
+            </a:r>
+            <a:r>
+              <a:rPr lang="en-US" altLang="zh-CN" dirty="0"/>
+              <a:t>[</a:t>
+            </a:r>
+            <a:r>
+              <a:rPr lang="en-US" altLang="zh-CN" dirty="0" err="1"/>
+              <a:t>i</a:t>
+            </a:r>
+            <a:r>
+              <a:rPr lang="en-US" altLang="zh-CN" dirty="0"/>
+              <a:t>]-&gt;</a:t>
+            </a:r>
+            <a:r>
+              <a:rPr lang="en-US" altLang="zh-CN" dirty="0" err="1"/>
+              <a:t>getGlobalPose</a:t>
+            </a:r>
+            <a:r>
+              <a:rPr lang="en-US" altLang="zh-CN" dirty="0"/>
+              <a:t>());</a:t>
+            </a:r>
+          </a:p>
+          <a:p>
+            <a:r>
+              <a:rPr lang="en-US" altLang="zh-CN" dirty="0"/>
+              <a:t>}</a:t>
+            </a:r>
           </a:p>
         </p:txBody>
       </p:sp>
     </p:spTree>
     <p:extLst>
       <p:ext uri="{BB962C8B-B14F-4D97-AF65-F5344CB8AC3E}">
-        <p14:creationId xmlns:p14="http://schemas.microsoft.com/office/powerpoint/2010/main" val="2473295673"/>
+        <p14:creationId xmlns:p14="http://schemas.microsoft.com/office/powerpoint/2010/main" val="1529980378"/>
       </p:ext>
     </p:extLst>
   </p:cSld>

--- a/Slides/7 Callbacks and Customization/Callbacks and Customization.pptx
+++ b/Slides/7 Callbacks and Customization/Callbacks and Customization.pptx
@@ -348,7 +348,7 @@
           <a:p>
             <a:fld id="{530820CF-B880-4189-942D-D702A7CBA730}" type="datetimeFigureOut">
               <a:rPr lang="zh-CN" altLang="en-US" smtClean="0"/>
-              <a:t>2017/10/25</a:t>
+              <a:t>2017/10/26</a:t>
             </a:fld>
             <a:endParaRPr lang="zh-CN" altLang="en-US"/>
           </a:p>
@@ -570,7 +570,7 @@
           <a:p>
             <a:fld id="{530820CF-B880-4189-942D-D702A7CBA730}" type="datetimeFigureOut">
               <a:rPr lang="zh-CN" altLang="en-US" smtClean="0"/>
-              <a:t>2017/10/25</a:t>
+              <a:t>2017/10/26</a:t>
             </a:fld>
             <a:endParaRPr lang="zh-CN" altLang="en-US"/>
           </a:p>
@@ -838,7 +838,7 @@
           <a:p>
             <a:fld id="{530820CF-B880-4189-942D-D702A7CBA730}" type="datetimeFigureOut">
               <a:rPr lang="zh-CN" altLang="en-US" smtClean="0"/>
-              <a:t>2017/10/25</a:t>
+              <a:t>2017/10/26</a:t>
             </a:fld>
             <a:endParaRPr lang="zh-CN" altLang="en-US"/>
           </a:p>
@@ -1088,7 +1088,7 @@
           <a:p>
             <a:fld id="{530820CF-B880-4189-942D-D702A7CBA730}" type="datetimeFigureOut">
               <a:rPr lang="zh-CN" altLang="en-US" smtClean="0"/>
-              <a:t>2017/10/25</a:t>
+              <a:t>2017/10/26</a:t>
             </a:fld>
             <a:endParaRPr lang="zh-CN" altLang="en-US"/>
           </a:p>
@@ -1347,7 +1347,7 @@
           <a:p>
             <a:fld id="{530820CF-B880-4189-942D-D702A7CBA730}" type="datetimeFigureOut">
               <a:rPr lang="zh-CN" altLang="en-US" smtClean="0"/>
-              <a:t>2017/10/25</a:t>
+              <a:t>2017/10/26</a:t>
             </a:fld>
             <a:endParaRPr lang="zh-CN" altLang="en-US"/>
           </a:p>
@@ -1712,7 +1712,7 @@
           <a:p>
             <a:fld id="{530820CF-B880-4189-942D-D702A7CBA730}" type="datetimeFigureOut">
               <a:rPr lang="zh-CN" altLang="en-US" smtClean="0"/>
-              <a:t>2017/10/25</a:t>
+              <a:t>2017/10/26</a:t>
             </a:fld>
             <a:endParaRPr lang="zh-CN" altLang="en-US"/>
           </a:p>
@@ -2210,7 +2210,7 @@
           <a:p>
             <a:fld id="{530820CF-B880-4189-942D-D702A7CBA730}" type="datetimeFigureOut">
               <a:rPr lang="zh-CN" altLang="en-US" smtClean="0"/>
-              <a:t>2017/10/25</a:t>
+              <a:t>2017/10/26</a:t>
             </a:fld>
             <a:endParaRPr lang="zh-CN" altLang="en-US"/>
           </a:p>
@@ -2404,7 +2404,7 @@
           <a:p>
             <a:fld id="{530820CF-B880-4189-942D-D702A7CBA730}" type="datetimeFigureOut">
               <a:rPr lang="zh-CN" altLang="en-US" smtClean="0"/>
-              <a:t>2017/10/25</a:t>
+              <a:t>2017/10/26</a:t>
             </a:fld>
             <a:endParaRPr lang="zh-CN" altLang="en-US"/>
           </a:p>
@@ -2575,7 +2575,7 @@
           <a:p>
             <a:fld id="{530820CF-B880-4189-942D-D702A7CBA730}" type="datetimeFigureOut">
               <a:rPr lang="zh-CN" altLang="en-US" smtClean="0"/>
-              <a:t>2017/10/25</a:t>
+              <a:t>2017/10/26</a:t>
             </a:fld>
             <a:endParaRPr lang="zh-CN" altLang="en-US"/>
           </a:p>
@@ -2975,7 +2975,7 @@
           <a:p>
             <a:fld id="{530820CF-B880-4189-942D-D702A7CBA730}" type="datetimeFigureOut">
               <a:rPr lang="zh-CN" altLang="en-US" smtClean="0"/>
-              <a:t>2017/10/25</a:t>
+              <a:t>2017/10/26</a:t>
             </a:fld>
             <a:endParaRPr lang="zh-CN" altLang="en-US"/>
           </a:p>
@@ -3355,7 +3355,7 @@
           <a:p>
             <a:fld id="{530820CF-B880-4189-942D-D702A7CBA730}" type="datetimeFigureOut">
               <a:rPr lang="zh-CN" altLang="en-US" smtClean="0"/>
-              <a:t>2017/10/25</a:t>
+              <a:t>2017/10/26</a:t>
             </a:fld>
             <a:endParaRPr lang="zh-CN" altLang="en-US"/>
           </a:p>
@@ -3629,7 +3629,7 @@
           <a:p>
             <a:fld id="{530820CF-B880-4189-942D-D702A7CBA730}" type="datetimeFigureOut">
               <a:rPr lang="zh-CN" altLang="en-US" smtClean="0"/>
-              <a:t>2017/10/25</a:t>
+              <a:t>2017/10/26</a:t>
             </a:fld>
             <a:endParaRPr lang="zh-CN" altLang="en-US"/>
           </a:p>
